--- a/cv/opencv基础-杨力.pptx
+++ b/cv/opencv基础-杨力.pptx
@@ -6,14 +6,15 @@
   </p:sldMasterIdLst>
   <p:sldIdLst>
     <p:sldId id="256" r:id="rId2"/>
-    <p:sldId id="257" r:id="rId3"/>
-    <p:sldId id="259" r:id="rId4"/>
-    <p:sldId id="263" r:id="rId5"/>
-    <p:sldId id="258" r:id="rId6"/>
-    <p:sldId id="261" r:id="rId7"/>
-    <p:sldId id="264" r:id="rId8"/>
-    <p:sldId id="260" r:id="rId9"/>
-    <p:sldId id="262" r:id="rId10"/>
+    <p:sldId id="266" r:id="rId3"/>
+    <p:sldId id="257" r:id="rId4"/>
+    <p:sldId id="265" r:id="rId5"/>
+    <p:sldId id="263" r:id="rId6"/>
+    <p:sldId id="258" r:id="rId7"/>
+    <p:sldId id="261" r:id="rId8"/>
+    <p:sldId id="264" r:id="rId9"/>
+    <p:sldId id="260" r:id="rId10"/>
+    <p:sldId id="262" r:id="rId11"/>
   </p:sldIdLst>
   <p:sldSz cx="12192000" cy="6858000"/>
   <p:notesSz cx="6858000" cy="9144000"/>
@@ -251,7 +252,7 @@
           <a:p>
             <a:fld id="{448F1AD3-4A91-4C3D-AA89-0551B6E0CC9D}" type="datetimeFigureOut">
               <a:rPr lang="zh-CN" altLang="en-US" smtClean="0"/>
-              <a:t>2017/7/11</a:t>
+              <a:t>2017/8/3</a:t>
             </a:fld>
             <a:endParaRPr lang="zh-CN" altLang="en-US"/>
           </a:p>
@@ -421,7 +422,7 @@
           <a:p>
             <a:fld id="{448F1AD3-4A91-4C3D-AA89-0551B6E0CC9D}" type="datetimeFigureOut">
               <a:rPr lang="zh-CN" altLang="en-US" smtClean="0"/>
-              <a:t>2017/7/11</a:t>
+              <a:t>2017/8/3</a:t>
             </a:fld>
             <a:endParaRPr lang="zh-CN" altLang="en-US"/>
           </a:p>
@@ -601,7 +602,7 @@
           <a:p>
             <a:fld id="{448F1AD3-4A91-4C3D-AA89-0551B6E0CC9D}" type="datetimeFigureOut">
               <a:rPr lang="zh-CN" altLang="en-US" smtClean="0"/>
-              <a:t>2017/7/11</a:t>
+              <a:t>2017/8/3</a:t>
             </a:fld>
             <a:endParaRPr lang="zh-CN" altLang="en-US"/>
           </a:p>
@@ -771,7 +772,7 @@
           <a:p>
             <a:fld id="{448F1AD3-4A91-4C3D-AA89-0551B6E0CC9D}" type="datetimeFigureOut">
               <a:rPr lang="zh-CN" altLang="en-US" smtClean="0"/>
-              <a:t>2017/7/11</a:t>
+              <a:t>2017/8/3</a:t>
             </a:fld>
             <a:endParaRPr lang="zh-CN" altLang="en-US"/>
           </a:p>
@@ -1017,7 +1018,7 @@
           <a:p>
             <a:fld id="{448F1AD3-4A91-4C3D-AA89-0551B6E0CC9D}" type="datetimeFigureOut">
               <a:rPr lang="zh-CN" altLang="en-US" smtClean="0"/>
-              <a:t>2017/7/11</a:t>
+              <a:t>2017/8/3</a:t>
             </a:fld>
             <a:endParaRPr lang="zh-CN" altLang="en-US"/>
           </a:p>
@@ -1249,7 +1250,7 @@
           <a:p>
             <a:fld id="{448F1AD3-4A91-4C3D-AA89-0551B6E0CC9D}" type="datetimeFigureOut">
               <a:rPr lang="zh-CN" altLang="en-US" smtClean="0"/>
-              <a:t>2017/7/11</a:t>
+              <a:t>2017/8/3</a:t>
             </a:fld>
             <a:endParaRPr lang="zh-CN" altLang="en-US"/>
           </a:p>
@@ -1616,7 +1617,7 @@
           <a:p>
             <a:fld id="{448F1AD3-4A91-4C3D-AA89-0551B6E0CC9D}" type="datetimeFigureOut">
               <a:rPr lang="zh-CN" altLang="en-US" smtClean="0"/>
-              <a:t>2017/7/11</a:t>
+              <a:t>2017/8/3</a:t>
             </a:fld>
             <a:endParaRPr lang="zh-CN" altLang="en-US"/>
           </a:p>
@@ -1734,7 +1735,7 @@
           <a:p>
             <a:fld id="{448F1AD3-4A91-4C3D-AA89-0551B6E0CC9D}" type="datetimeFigureOut">
               <a:rPr lang="zh-CN" altLang="en-US" smtClean="0"/>
-              <a:t>2017/7/11</a:t>
+              <a:t>2017/8/3</a:t>
             </a:fld>
             <a:endParaRPr lang="zh-CN" altLang="en-US"/>
           </a:p>
@@ -1829,7 +1830,7 @@
           <a:p>
             <a:fld id="{448F1AD3-4A91-4C3D-AA89-0551B6E0CC9D}" type="datetimeFigureOut">
               <a:rPr lang="zh-CN" altLang="en-US" smtClean="0"/>
-              <a:t>2017/7/11</a:t>
+              <a:t>2017/8/3</a:t>
             </a:fld>
             <a:endParaRPr lang="zh-CN" altLang="en-US"/>
           </a:p>
@@ -2106,7 +2107,7 @@
           <a:p>
             <a:fld id="{448F1AD3-4A91-4C3D-AA89-0551B6E0CC9D}" type="datetimeFigureOut">
               <a:rPr lang="zh-CN" altLang="en-US" smtClean="0"/>
-              <a:t>2017/7/11</a:t>
+              <a:t>2017/8/3</a:t>
             </a:fld>
             <a:endParaRPr lang="zh-CN" altLang="en-US"/>
           </a:p>
@@ -2359,7 +2360,7 @@
           <a:p>
             <a:fld id="{448F1AD3-4A91-4C3D-AA89-0551B6E0CC9D}" type="datetimeFigureOut">
               <a:rPr lang="zh-CN" altLang="en-US" smtClean="0"/>
-              <a:t>2017/7/11</a:t>
+              <a:t>2017/8/3</a:t>
             </a:fld>
             <a:endParaRPr lang="zh-CN" altLang="en-US"/>
           </a:p>
@@ -2572,7 +2573,7 @@
           <a:p>
             <a:fld id="{448F1AD3-4A91-4C3D-AA89-0551B6E0CC9D}" type="datetimeFigureOut">
               <a:rPr lang="zh-CN" altLang="en-US" smtClean="0"/>
-              <a:t>2017/7/11</a:t>
+              <a:t>2017/8/3</a:t>
             </a:fld>
             <a:endParaRPr lang="zh-CN" altLang="en-US"/>
           </a:p>
@@ -3054,6 +3055,172 @@
 </p:sld>
 </file>
 
+<file path=ppt/slides/slide10.xml><?xml version="1.0" encoding="utf-8"?>
+<p:sld xmlns:a="http://schemas.openxmlformats.org/drawingml/2006/main" xmlns:r="http://schemas.openxmlformats.org/officeDocument/2006/relationships" xmlns:p="http://schemas.openxmlformats.org/presentationml/2006/main">
+  <p:cSld>
+    <p:spTree>
+      <p:nvGrpSpPr>
+        <p:cNvPr id="1" name=""/>
+        <p:cNvGrpSpPr/>
+        <p:nvPr/>
+      </p:nvGrpSpPr>
+      <p:grpSpPr>
+        <a:xfrm>
+          <a:off x="0" y="0"/>
+          <a:ext cx="0" cy="0"/>
+          <a:chOff x="0" y="0"/>
+          <a:chExt cx="0" cy="0"/>
+        </a:xfrm>
+      </p:grpSpPr>
+      <p:sp>
+        <p:nvSpPr>
+          <p:cNvPr id="2" name="标题 1"/>
+          <p:cNvSpPr>
+            <a:spLocks noGrp="1"/>
+          </p:cNvSpPr>
+          <p:nvPr>
+            <p:ph type="title"/>
+          </p:nvPr>
+        </p:nvSpPr>
+        <p:spPr/>
+        <p:txBody>
+          <a:bodyPr/>
+          <a:lstStyle/>
+          <a:p>
+            <a:r>
+              <a:rPr lang="zh-CN" altLang="en-US" dirty="0" smtClean="0"/>
+              <a:t>参考资源</a:t>
+            </a:r>
+            <a:endParaRPr lang="zh-CN" altLang="en-US" dirty="0"/>
+          </a:p>
+        </p:txBody>
+      </p:sp>
+      <p:sp>
+        <p:nvSpPr>
+          <p:cNvPr id="3" name="内容占位符 2"/>
+          <p:cNvSpPr>
+            <a:spLocks noGrp="1"/>
+          </p:cNvSpPr>
+          <p:nvPr>
+            <p:ph idx="1"/>
+          </p:nvPr>
+        </p:nvSpPr>
+        <p:spPr/>
+        <p:txBody>
+          <a:bodyPr/>
+          <a:lstStyle/>
+          <a:p>
+            <a:r>
+              <a:rPr lang="en-US" altLang="zh-CN" dirty="0"/>
+              <a:t>OpenCV3</a:t>
+            </a:r>
+            <a:r>
+              <a:rPr lang="zh-CN" altLang="en-US" dirty="0"/>
+              <a:t>编程入门</a:t>
+            </a:r>
+            <a:r>
+              <a:rPr lang="en-US" altLang="zh-CN" dirty="0"/>
+              <a:t>_</a:t>
+            </a:r>
+            <a:r>
+              <a:rPr lang="zh-CN" altLang="en-US" dirty="0"/>
+              <a:t>毛星云编著</a:t>
+            </a:r>
+            <a:r>
+              <a:rPr lang="en-US" altLang="zh-CN" dirty="0"/>
+              <a:t>_</a:t>
+            </a:r>
+            <a:r>
+              <a:rPr lang="zh-CN" altLang="en-US" dirty="0"/>
+              <a:t>电子工业出版</a:t>
+            </a:r>
+            <a:r>
+              <a:rPr lang="en-US" altLang="zh-CN" dirty="0"/>
+              <a:t>.</a:t>
+            </a:r>
+            <a:r>
+              <a:rPr lang="en-US" altLang="zh-CN" dirty="0" smtClean="0"/>
+              <a:t>pdf</a:t>
+            </a:r>
+          </a:p>
+          <a:p>
+            <a:pPr lvl="1"/>
+            <a:r>
+              <a:rPr lang="zh-CN" altLang="en-US" dirty="0" smtClean="0"/>
+              <a:t>有电子书，源代码下载，在作者博客 </a:t>
+            </a:r>
+            <a:r>
+              <a:rPr lang="en-US" altLang="zh-CN" dirty="0">
+                <a:hlinkClick r:id="rId2"/>
+              </a:rPr>
+              <a:t>http://</a:t>
+            </a:r>
+            <a:r>
+              <a:rPr lang="en-US" altLang="zh-CN" dirty="0" smtClean="0">
+                <a:hlinkClick r:id="rId2"/>
+              </a:rPr>
+              <a:t>blog.csdn.net/poem_qianmo</a:t>
+            </a:r>
+            <a:endParaRPr lang="en-US" altLang="zh-CN" dirty="0" smtClean="0"/>
+          </a:p>
+          <a:p>
+            <a:pPr lvl="1"/>
+            <a:r>
+              <a:rPr lang="zh-CN" altLang="en-US" dirty="0" smtClean="0"/>
+              <a:t>或在</a:t>
+            </a:r>
+            <a:r>
+              <a:rPr lang="en-US" altLang="zh-CN" dirty="0" err="1" smtClean="0"/>
+              <a:t>github</a:t>
+            </a:r>
+            <a:r>
+              <a:rPr lang="zh-CN" altLang="en-US" dirty="0" smtClean="0"/>
+              <a:t>上搜索 </a:t>
+            </a:r>
+            <a:r>
+              <a:rPr lang="en-US" altLang="zh-CN" smtClean="0"/>
+              <a:t>opencv3</a:t>
+            </a:r>
+            <a:endParaRPr lang="en-US" altLang="zh-CN" dirty="0" smtClean="0"/>
+          </a:p>
+          <a:p>
+            <a:r>
+              <a:rPr lang="en-US" altLang="zh-CN" dirty="0" err="1"/>
+              <a:t>OpenCV</a:t>
+            </a:r>
+            <a:r>
+              <a:rPr lang="zh-CN" altLang="en-US" dirty="0"/>
+              <a:t>入门教程</a:t>
+            </a:r>
+            <a:r>
+              <a:rPr lang="en-US" altLang="zh-CN" dirty="0"/>
+              <a:t>.</a:t>
+            </a:r>
+            <a:r>
+              <a:rPr lang="en-US" altLang="zh-CN" dirty="0" smtClean="0"/>
+              <a:t>pdf  </a:t>
+            </a:r>
+            <a:r>
+              <a:rPr lang="zh-CN" altLang="en-US" dirty="0" smtClean="0"/>
+              <a:t>于仕琪</a:t>
+            </a:r>
+            <a:endParaRPr lang="zh-CN" altLang="en-US" dirty="0"/>
+          </a:p>
+        </p:txBody>
+      </p:sp>
+    </p:spTree>
+    <p:extLst>
+      <p:ext uri="{BB962C8B-B14F-4D97-AF65-F5344CB8AC3E}">
+        <p14:creationId xmlns:p14="http://schemas.microsoft.com/office/powerpoint/2010/main" val="2385672977"/>
+      </p:ext>
+    </p:extLst>
+  </p:cSld>
+  <p:clrMapOvr>
+    <a:masterClrMapping/>
+  </p:clrMapOvr>
+</p:sld>
+</file>
+
 <file path=ppt/slides/slide2.xml><?xml version="1.0" encoding="utf-8"?>
 <p:sld xmlns:a="http://schemas.openxmlformats.org/drawingml/2006/main" xmlns:r="http://schemas.openxmlformats.org/officeDocument/2006/relationships" xmlns:p="http://schemas.openxmlformats.org/presentationml/2006/main">
   <p:cSld>
@@ -3088,7 +3255,248 @@
           <a:p>
             <a:r>
               <a:rPr lang="en-US" altLang="zh-CN" dirty="0" err="1" smtClean="0"/>
-              <a:t>opencv</a:t>
+              <a:t>Opencv</a:t>
+            </a:r>
+            <a:r>
+              <a:rPr lang="zh-CN" altLang="en-US" dirty="0" smtClean="0"/>
+              <a:t>历史</a:t>
+            </a:r>
+            <a:endParaRPr lang="zh-CN" altLang="en-US" dirty="0"/>
+          </a:p>
+        </p:txBody>
+      </p:sp>
+      <p:sp>
+        <p:nvSpPr>
+          <p:cNvPr id="3" name="内容占位符 2"/>
+          <p:cNvSpPr>
+            <a:spLocks noGrp="1"/>
+          </p:cNvSpPr>
+          <p:nvPr>
+            <p:ph idx="1"/>
+          </p:nvPr>
+        </p:nvSpPr>
+        <p:spPr/>
+        <p:txBody>
+          <a:bodyPr>
+            <a:normAutofit/>
+          </a:bodyPr>
+          <a:lstStyle/>
+          <a:p>
+            <a:r>
+              <a:rPr lang="en-US" altLang="zh-CN" dirty="0" err="1" smtClean="0"/>
+              <a:t>OpenCV</a:t>
+            </a:r>
+            <a:r>
+              <a:rPr lang="en-US" altLang="zh-CN" dirty="0" smtClean="0"/>
+              <a:t> </a:t>
+            </a:r>
+            <a:r>
+              <a:rPr lang="en-US" altLang="zh-CN" dirty="0" smtClean="0"/>
+              <a:t>1.0  C</a:t>
+            </a:r>
+            <a:r>
+              <a:rPr lang="zh-CN" altLang="en-US" dirty="0" smtClean="0"/>
+              <a:t>语言</a:t>
+            </a:r>
+            <a:r>
+              <a:rPr lang="zh-CN" altLang="en-US" dirty="0" smtClean="0"/>
+              <a:t>接口</a:t>
+            </a:r>
+            <a:endParaRPr lang="en-US" altLang="zh-CN" dirty="0" smtClean="0"/>
+          </a:p>
+          <a:p>
+            <a:pPr lvl="1"/>
+            <a:r>
+              <a:rPr lang="zh-CN" altLang="en-US" dirty="0" smtClean="0"/>
+              <a:t>函数名以小写</a:t>
+            </a:r>
+            <a:r>
+              <a:rPr lang="en-US" altLang="zh-CN" dirty="0" smtClean="0"/>
+              <a:t>cv</a:t>
+            </a:r>
+            <a:r>
+              <a:rPr lang="zh-CN" altLang="en-US" dirty="0" smtClean="0"/>
+              <a:t>开头，不</a:t>
+            </a:r>
+            <a:r>
+              <a:rPr lang="zh-CN" altLang="en-US" dirty="0" smtClean="0"/>
+              <a:t>建议</a:t>
+            </a:r>
+            <a:r>
+              <a:rPr lang="zh-CN" altLang="en-US" dirty="0" smtClean="0"/>
+              <a:t>使用。</a:t>
+            </a:r>
+            <a:endParaRPr lang="en-US" altLang="zh-CN" dirty="0" smtClean="0"/>
+          </a:p>
+          <a:p>
+            <a:r>
+              <a:rPr lang="en-US" altLang="zh-CN" dirty="0" err="1" smtClean="0"/>
+              <a:t>OpenCV</a:t>
+            </a:r>
+            <a:r>
+              <a:rPr lang="en-US" altLang="zh-CN" dirty="0" smtClean="0"/>
+              <a:t> 2.x   </a:t>
+            </a:r>
+            <a:r>
+              <a:rPr lang="en-US" altLang="zh-CN" dirty="0" smtClean="0"/>
+              <a:t>C++</a:t>
+            </a:r>
+            <a:r>
+              <a:rPr lang="zh-CN" altLang="en-US" dirty="0" smtClean="0"/>
+              <a:t>接口</a:t>
+            </a:r>
+            <a:endParaRPr lang="en-US" altLang="zh-CN" dirty="0" smtClean="0"/>
+          </a:p>
+          <a:p>
+            <a:r>
+              <a:rPr lang="en-US" altLang="zh-CN" dirty="0" err="1" smtClean="0"/>
+              <a:t>OpenCV</a:t>
+            </a:r>
+            <a:r>
+              <a:rPr lang="en-US" altLang="zh-CN" dirty="0" smtClean="0"/>
+              <a:t> 3.x</a:t>
+            </a:r>
+          </a:p>
+          <a:p>
+            <a:pPr lvl="1"/>
+            <a:r>
+              <a:rPr lang="zh-CN" altLang="en-US" dirty="0" smtClean="0"/>
+              <a:t>官网 </a:t>
+            </a:r>
+            <a:r>
+              <a:rPr lang="en-US" altLang="zh-CN" dirty="0" smtClean="0"/>
+              <a:t>www.opencv.org</a:t>
+            </a:r>
+          </a:p>
+          <a:p>
+            <a:pPr lvl="1"/>
+            <a:r>
+              <a:rPr lang="en-US" altLang="zh-CN" dirty="0" err="1" smtClean="0"/>
+              <a:t>github</a:t>
+            </a:r>
+            <a:r>
+              <a:rPr lang="zh-CN" altLang="en-US" dirty="0" smtClean="0"/>
+              <a:t>地址 </a:t>
+            </a:r>
+            <a:r>
+              <a:rPr lang="en-US" altLang="zh-CN" dirty="0" smtClean="0"/>
+              <a:t>https</a:t>
+            </a:r>
+            <a:r>
+              <a:rPr lang="en-US" altLang="zh-CN" dirty="0"/>
+              <a:t>://</a:t>
+            </a:r>
+            <a:r>
+              <a:rPr lang="en-US" altLang="zh-CN" dirty="0" smtClean="0"/>
+              <a:t>github.com/opencv/opencv</a:t>
+            </a:r>
+          </a:p>
+          <a:p>
+            <a:pPr lvl="1"/>
+            <a:r>
+              <a:rPr lang="zh-CN" altLang="en-US" dirty="0" smtClean="0"/>
+              <a:t>附加功能模块 </a:t>
+            </a:r>
+            <a:r>
+              <a:rPr lang="en-US" altLang="zh-CN" dirty="0" smtClean="0"/>
+              <a:t>https</a:t>
+            </a:r>
+            <a:r>
+              <a:rPr lang="en-US" altLang="zh-CN" dirty="0"/>
+              <a:t>://github.com/opencv/opencv_contrib</a:t>
+            </a:r>
+          </a:p>
+          <a:p>
+            <a:pPr lvl="1"/>
+            <a:endParaRPr lang="en-US" altLang="zh-CN" dirty="0" smtClean="0"/>
+          </a:p>
+          <a:p>
+            <a:r>
+              <a:rPr lang="zh-CN" altLang="en-US" dirty="0" smtClean="0"/>
+              <a:t>支持</a:t>
+            </a:r>
+            <a:r>
+              <a:rPr lang="en-US" altLang="zh-CN" dirty="0" smtClean="0"/>
+              <a:t>C++</a:t>
+            </a:r>
+            <a:r>
+              <a:rPr lang="zh-CN" altLang="en-US" dirty="0" smtClean="0"/>
+              <a:t>、</a:t>
+            </a:r>
+            <a:r>
+              <a:rPr lang="en-US" altLang="zh-CN" dirty="0" smtClean="0"/>
+              <a:t>Python</a:t>
+            </a:r>
+            <a:r>
+              <a:rPr lang="zh-CN" altLang="en-US" dirty="0" smtClean="0"/>
+              <a:t>调用，支持手机、嵌入式平台。</a:t>
+            </a:r>
+            <a:endParaRPr lang="en-US" altLang="zh-CN" dirty="0" smtClean="0"/>
+          </a:p>
+          <a:p>
+            <a:endParaRPr lang="zh-CN" altLang="en-US" dirty="0"/>
+          </a:p>
+        </p:txBody>
+      </p:sp>
+    </p:spTree>
+    <p:extLst>
+      <p:ext uri="{BB962C8B-B14F-4D97-AF65-F5344CB8AC3E}">
+        <p14:creationId xmlns:p14="http://schemas.microsoft.com/office/powerpoint/2010/main" val="1831335638"/>
+      </p:ext>
+    </p:extLst>
+  </p:cSld>
+  <p:clrMapOvr>
+    <a:masterClrMapping/>
+  </p:clrMapOvr>
+  <p:timing>
+    <p:tnLst>
+      <p:par>
+        <p:cTn id="1" dur="indefinite" restart="never" nodeType="tmRoot"/>
+      </p:par>
+    </p:tnLst>
+  </p:timing>
+</p:sld>
+</file>
+
+<file path=ppt/slides/slide3.xml><?xml version="1.0" encoding="utf-8"?>
+<p:sld xmlns:a="http://schemas.openxmlformats.org/drawingml/2006/main" xmlns:r="http://schemas.openxmlformats.org/officeDocument/2006/relationships" xmlns:p="http://schemas.openxmlformats.org/presentationml/2006/main">
+  <p:cSld>
+    <p:spTree>
+      <p:nvGrpSpPr>
+        <p:cNvPr id="1" name=""/>
+        <p:cNvGrpSpPr/>
+        <p:nvPr/>
+      </p:nvGrpSpPr>
+      <p:grpSpPr>
+        <a:xfrm>
+          <a:off x="0" y="0"/>
+          <a:ext cx="0" cy="0"/>
+          <a:chOff x="0" y="0"/>
+          <a:chExt cx="0" cy="0"/>
+        </a:xfrm>
+      </p:grpSpPr>
+      <p:sp>
+        <p:nvSpPr>
+          <p:cNvPr id="2" name="标题 1"/>
+          <p:cNvSpPr>
+            <a:spLocks noGrp="1"/>
+          </p:cNvSpPr>
+          <p:nvPr>
+            <p:ph type="title"/>
+          </p:nvPr>
+        </p:nvSpPr>
+        <p:spPr/>
+        <p:txBody>
+          <a:bodyPr/>
+          <a:lstStyle/>
+          <a:p>
+            <a:r>
+              <a:rPr lang="en-US" altLang="zh-CN" dirty="0" err="1" smtClean="0"/>
+              <a:t>Opencv</a:t>
+            </a:r>
+            <a:r>
+              <a:rPr lang="en-US" altLang="zh-CN" dirty="0" smtClean="0"/>
+              <a:t> 2.x</a:t>
             </a:r>
             <a:endParaRPr lang="zh-CN" altLang="en-US" dirty="0"/>
           </a:p>
@@ -3177,127 +3585,6 @@
 </p:sld>
 </file>
 
-<file path=ppt/slides/slide3.xml><?xml version="1.0" encoding="utf-8"?>
-<p:sld xmlns:a="http://schemas.openxmlformats.org/drawingml/2006/main" xmlns:r="http://schemas.openxmlformats.org/officeDocument/2006/relationships" xmlns:p="http://schemas.openxmlformats.org/presentationml/2006/main">
-  <p:cSld>
-    <p:spTree>
-      <p:nvGrpSpPr>
-        <p:cNvPr id="1" name=""/>
-        <p:cNvGrpSpPr/>
-        <p:nvPr/>
-      </p:nvGrpSpPr>
-      <p:grpSpPr>
-        <a:xfrm>
-          <a:off x="0" y="0"/>
-          <a:ext cx="0" cy="0"/>
-          <a:chOff x="0" y="0"/>
-          <a:chExt cx="0" cy="0"/>
-        </a:xfrm>
-      </p:grpSpPr>
-      <p:sp>
-        <p:nvSpPr>
-          <p:cNvPr id="2" name="标题 1"/>
-          <p:cNvSpPr>
-            <a:spLocks noGrp="1"/>
-          </p:cNvSpPr>
-          <p:nvPr>
-            <p:ph type="title"/>
-          </p:nvPr>
-        </p:nvSpPr>
-        <p:spPr/>
-        <p:txBody>
-          <a:bodyPr/>
-          <a:lstStyle/>
-          <a:p>
-            <a:r>
-              <a:rPr lang="en-US" altLang="zh-CN" dirty="0" err="1" smtClean="0"/>
-              <a:t>Opencv</a:t>
-            </a:r>
-            <a:r>
-              <a:rPr lang="zh-CN" altLang="en-US" dirty="0" smtClean="0"/>
-              <a:t>接口</a:t>
-            </a:r>
-            <a:endParaRPr lang="zh-CN" altLang="en-US" dirty="0"/>
-          </a:p>
-        </p:txBody>
-      </p:sp>
-      <p:sp>
-        <p:nvSpPr>
-          <p:cNvPr id="3" name="内容占位符 2"/>
-          <p:cNvSpPr>
-            <a:spLocks noGrp="1"/>
-          </p:cNvSpPr>
-          <p:nvPr>
-            <p:ph idx="1"/>
-          </p:nvPr>
-        </p:nvSpPr>
-        <p:spPr/>
-        <p:txBody>
-          <a:bodyPr/>
-          <a:lstStyle/>
-          <a:p>
-            <a:r>
-              <a:rPr lang="en-US" altLang="zh-CN" dirty="0" err="1" smtClean="0"/>
-              <a:t>Opencv</a:t>
-            </a:r>
-            <a:r>
-              <a:rPr lang="en-US" altLang="zh-CN" dirty="0" smtClean="0"/>
-              <a:t> 1.0  C</a:t>
-            </a:r>
-            <a:r>
-              <a:rPr lang="zh-CN" altLang="en-US" dirty="0" smtClean="0"/>
-              <a:t>语言接口（不建议使用）</a:t>
-            </a:r>
-            <a:endParaRPr lang="en-US" altLang="zh-CN" dirty="0" smtClean="0"/>
-          </a:p>
-          <a:p>
-            <a:r>
-              <a:rPr lang="en-US" altLang="zh-CN" dirty="0" err="1" smtClean="0"/>
-              <a:t>Opencv</a:t>
-            </a:r>
-            <a:r>
-              <a:rPr lang="en-US" altLang="zh-CN" dirty="0" smtClean="0"/>
-              <a:t> 2.0</a:t>
-            </a:r>
-            <a:r>
-              <a:rPr lang="zh-CN" altLang="en-US" dirty="0" smtClean="0"/>
-              <a:t>开始</a:t>
-            </a:r>
-            <a:r>
-              <a:rPr lang="en-US" altLang="zh-CN" dirty="0" smtClean="0"/>
-              <a:t>  C++</a:t>
-            </a:r>
-            <a:r>
-              <a:rPr lang="zh-CN" altLang="en-US" dirty="0" smtClean="0"/>
-              <a:t>接口</a:t>
-            </a:r>
-            <a:endParaRPr lang="en-US" altLang="zh-CN" dirty="0" smtClean="0"/>
-          </a:p>
-          <a:p>
-            <a:endParaRPr lang="zh-CN" altLang="en-US" dirty="0"/>
-          </a:p>
-        </p:txBody>
-      </p:sp>
-    </p:spTree>
-    <p:extLst>
-      <p:ext uri="{BB962C8B-B14F-4D97-AF65-F5344CB8AC3E}">
-        <p14:creationId xmlns:p14="http://schemas.microsoft.com/office/powerpoint/2010/main" val="1783458146"/>
-      </p:ext>
-    </p:extLst>
-  </p:cSld>
-  <p:clrMapOvr>
-    <a:masterClrMapping/>
-  </p:clrMapOvr>
-  <p:timing>
-    <p:tnLst>
-      <p:par>
-        <p:cTn id="1" dur="indefinite" restart="never" nodeType="tmRoot"/>
-      </p:par>
-    </p:tnLst>
-  </p:timing>
-</p:sld>
-</file>
-
 <file path=ppt/slides/slide4.xml><?xml version="1.0" encoding="utf-8"?>
 <p:sld xmlns:a="http://schemas.openxmlformats.org/drawingml/2006/main" xmlns:r="http://schemas.openxmlformats.org/officeDocument/2006/relationships" xmlns:p="http://schemas.openxmlformats.org/presentationml/2006/main">
   <p:cSld>
@@ -3336,11 +3623,7 @@
             </a:r>
             <a:r>
               <a:rPr lang="en-US" altLang="zh-CN" dirty="0" smtClean="0"/>
-              <a:t> C++</a:t>
-            </a:r>
-            <a:r>
-              <a:rPr lang="zh-CN" altLang="en-US" dirty="0" smtClean="0"/>
-              <a:t>基本用法</a:t>
+              <a:t> 3.x</a:t>
             </a:r>
             <a:endParaRPr lang="zh-CN" altLang="en-US" dirty="0"/>
           </a:p>
@@ -3358,234 +3641,190 @@
         </p:nvSpPr>
         <p:spPr/>
         <p:txBody>
-          <a:bodyPr>
-            <a:normAutofit fontScale="92500" lnSpcReduction="10000"/>
-          </a:bodyPr>
-          <a:lstStyle/>
-          <a:p>
-            <a:r>
-              <a:rPr lang="zh-CN" altLang="en-US" dirty="0" smtClean="0"/>
-              <a:t>打开图像：</a:t>
-            </a:r>
-            <a:r>
-              <a:rPr lang="en-US" altLang="zh-CN" dirty="0" smtClean="0"/>
-              <a:t>Mat I = </a:t>
+          <a:bodyPr/>
+          <a:lstStyle/>
+          <a:p>
+            <a:r>
+              <a:rPr lang="zh-CN" altLang="en-US" dirty="0" smtClean="0"/>
+              <a:t>如何开始？以</a:t>
+            </a:r>
+            <a:r>
+              <a:rPr lang="en-US" altLang="zh-CN" dirty="0" smtClean="0"/>
+              <a:t>windows</a:t>
+            </a:r>
+            <a:r>
+              <a:rPr lang="zh-CN" altLang="en-US" dirty="0" smtClean="0"/>
+              <a:t>下</a:t>
             </a:r>
             <a:r>
               <a:rPr lang="en-US" altLang="zh-CN" dirty="0" err="1" smtClean="0"/>
-              <a:t>imread</a:t>
-            </a:r>
-            <a:r>
-              <a:rPr lang="en-US" altLang="zh-CN" dirty="0" smtClean="0"/>
-              <a:t>(“1.jpg”, </a:t>
-            </a:r>
-            <a:r>
-              <a:rPr lang="en-US" altLang="zh-CN" dirty="0"/>
-              <a:t>CV_LOAD_IMAGE_GRAYSCALE</a:t>
-            </a:r>
-            <a:r>
-              <a:rPr lang="en-US" altLang="zh-CN" dirty="0" smtClean="0"/>
-              <a:t>);</a:t>
-            </a:r>
-          </a:p>
-          <a:p>
-            <a:pPr marL="457200" lvl="1" indent="0">
-              <a:buNone/>
-            </a:pPr>
-            <a:r>
-              <a:rPr lang="en-US" altLang="zh-CN" dirty="0" smtClean="0"/>
-              <a:t>CV_LOAD_IMAGE_GRAYSCALE</a:t>
-            </a:r>
-            <a:r>
-              <a:rPr lang="zh-CN" altLang="en-US" dirty="0" smtClean="0"/>
-              <a:t>表示灰度，</a:t>
-            </a:r>
-            <a:r>
-              <a:rPr lang="zh-CN" altLang="en-US" dirty="0"/>
-              <a:t>如果不</a:t>
-            </a:r>
-            <a:r>
-              <a:rPr lang="zh-CN" altLang="en-US" dirty="0" smtClean="0"/>
-              <a:t>加这个则是以彩色图像</a:t>
-            </a:r>
-            <a:r>
-              <a:rPr lang="en-US" altLang="zh-CN" dirty="0" smtClean="0"/>
-              <a:t>BGR</a:t>
-            </a:r>
-            <a:r>
-              <a:rPr lang="zh-CN" altLang="en-US" dirty="0" smtClean="0"/>
-              <a:t>打开</a:t>
-            </a:r>
-          </a:p>
-          <a:p>
-            <a:r>
-              <a:rPr lang="zh-CN" altLang="en-US" dirty="0" smtClean="0"/>
-              <a:t>图像宽度：</a:t>
+              <a:t>opencv</a:t>
+            </a:r>
+            <a:r>
+              <a:rPr lang="en-US" altLang="zh-CN" dirty="0" smtClean="0"/>
+              <a:t> 3.2</a:t>
+            </a:r>
+            <a:r>
+              <a:rPr lang="zh-CN" altLang="en-US" dirty="0" smtClean="0"/>
+              <a:t>为例</a:t>
+            </a:r>
+            <a:endParaRPr lang="en-US" altLang="zh-CN" dirty="0" smtClean="0"/>
+          </a:p>
+          <a:p>
+            <a:r>
+              <a:rPr lang="zh-CN" altLang="en-US" dirty="0" smtClean="0"/>
+              <a:t>打开官网</a:t>
+            </a:r>
+            <a:r>
+              <a:rPr lang="en-US" altLang="zh-CN" dirty="0">
+                <a:hlinkClick r:id="rId2"/>
+              </a:rPr>
+              <a:t>http://opencv.org</a:t>
+            </a:r>
+            <a:r>
+              <a:rPr lang="en-US" altLang="zh-CN" dirty="0" smtClean="0">
+                <a:hlinkClick r:id="rId2"/>
+              </a:rPr>
+              <a:t>/</a:t>
+            </a:r>
+            <a:r>
+              <a:rPr lang="zh-CN" altLang="en-US" dirty="0" smtClean="0"/>
+              <a:t>，下载 </a:t>
+            </a:r>
+            <a:r>
+              <a:rPr lang="en-US" altLang="zh-CN" dirty="0" smtClean="0"/>
+              <a:t>win pack</a:t>
+            </a:r>
+            <a:r>
+              <a:rPr lang="zh-CN" altLang="en-US" dirty="0" smtClean="0"/>
+              <a:t>，右图</a:t>
+            </a:r>
+            <a:endParaRPr lang="en-US" altLang="zh-CN" dirty="0" smtClean="0"/>
+          </a:p>
+          <a:p>
+            <a:endParaRPr lang="en-US" altLang="zh-CN" dirty="0"/>
+          </a:p>
+          <a:p>
+            <a:r>
+              <a:rPr lang="zh-CN" altLang="en-US" dirty="0" smtClean="0"/>
+              <a:t>可选：如果你确定需要</a:t>
             </a:r>
             <a:r>
               <a:rPr lang="en-US" altLang="zh-CN" dirty="0" err="1" smtClean="0"/>
-              <a:t>I.cols</a:t>
+              <a:t>opencv_contrib</a:t>
+            </a:r>
+            <a:r>
+              <a:rPr lang="zh-CN" altLang="en-US" dirty="0" smtClean="0"/>
+              <a:t>，建议</a:t>
+            </a:r>
+            <a:r>
+              <a:rPr lang="en-US" altLang="zh-CN" dirty="0">
+                <a:hlinkClick r:id="rId3"/>
+              </a:rPr>
+              <a:t>https://</a:t>
+            </a:r>
+            <a:r>
+              <a:rPr lang="en-US" altLang="zh-CN" dirty="0" smtClean="0">
+                <a:hlinkClick r:id="rId3"/>
+              </a:rPr>
+              <a:t>github.com/opencv/opencv_contrib</a:t>
+            </a:r>
+            <a:r>
+              <a:rPr lang="en-US" altLang="zh-CN" dirty="0" smtClean="0"/>
+              <a:t> </a:t>
+            </a:r>
+            <a:r>
+              <a:rPr lang="zh-CN" altLang="en-US" dirty="0" smtClean="0"/>
+              <a:t>下载</a:t>
             </a:r>
             <a:endParaRPr lang="en-US" altLang="zh-CN" dirty="0" smtClean="0"/>
           </a:p>
           <a:p>
             <a:r>
               <a:rPr lang="zh-CN" altLang="en-US" dirty="0" smtClean="0"/>
-              <a:t>图像高度：</a:t>
+              <a:t>你下载下来的</a:t>
             </a:r>
             <a:r>
               <a:rPr lang="en-US" altLang="zh-CN" dirty="0" err="1" smtClean="0"/>
-              <a:t>I.rows</a:t>
+              <a:t>opencv</a:t>
+            </a:r>
+            <a:r>
+              <a:rPr lang="en-US" altLang="zh-CN" dirty="0" smtClean="0"/>
+              <a:t>/build</a:t>
+            </a:r>
+            <a:r>
+              <a:rPr lang="zh-CN" altLang="en-US" dirty="0" smtClean="0"/>
+              <a:t>目录下，</a:t>
+            </a:r>
+            <a:r>
+              <a:rPr lang="en-US" altLang="zh-CN" dirty="0" smtClean="0"/>
+              <a:t/>
+            </a:r>
+            <a:br>
+              <a:rPr lang="en-US" altLang="zh-CN" dirty="0" smtClean="0"/>
+            </a:br>
+            <a:r>
+              <a:rPr lang="zh-CN" altLang="en-US" dirty="0" smtClean="0"/>
+              <a:t>已经有你需要的一切（头文件、库文件）</a:t>
             </a:r>
             <a:endParaRPr lang="en-US" altLang="zh-CN" dirty="0" smtClean="0"/>
           </a:p>
           <a:p>
             <a:r>
               <a:rPr lang="zh-CN" altLang="en-US" dirty="0" smtClean="0"/>
-              <a:t>访问灰度图某个像素：</a:t>
-            </a:r>
-            <a:r>
-              <a:rPr lang="en-US" altLang="zh-CN" dirty="0" smtClean="0"/>
-              <a:t>I.at&lt;</a:t>
-            </a:r>
-            <a:r>
-              <a:rPr lang="en-US" altLang="zh-CN" dirty="0" err="1" smtClean="0"/>
-              <a:t>uchar</a:t>
-            </a:r>
-            <a:r>
-              <a:rPr lang="en-US" altLang="zh-CN" dirty="0" smtClean="0"/>
-              <a:t>&gt;(</a:t>
-            </a:r>
-            <a:r>
-              <a:rPr lang="en-US" altLang="zh-CN" dirty="0" err="1" smtClean="0"/>
-              <a:t>i,j</a:t>
-            </a:r>
-            <a:r>
-              <a:rPr lang="en-US" altLang="zh-CN" dirty="0" smtClean="0"/>
-              <a:t>)</a:t>
-            </a:r>
-          </a:p>
-          <a:p>
-            <a:r>
-              <a:rPr lang="zh-CN" altLang="en-US" dirty="0"/>
-              <a:t>图像数据首地址：</a:t>
-            </a:r>
-            <a:r>
-              <a:rPr lang="en-US" altLang="zh-CN" dirty="0" err="1"/>
-              <a:t>I.data</a:t>
-            </a:r>
-            <a:r>
-              <a:rPr lang="en-US" altLang="zh-CN" dirty="0"/>
-              <a:t>, </a:t>
-            </a:r>
-            <a:r>
-              <a:rPr lang="zh-CN" altLang="en-US" dirty="0"/>
-              <a:t>类型</a:t>
-            </a:r>
-            <a:r>
-              <a:rPr lang="en-US" altLang="zh-CN" dirty="0" err="1"/>
-              <a:t>uchar</a:t>
-            </a:r>
-            <a:r>
-              <a:rPr lang="en-US" altLang="zh-CN" dirty="0"/>
-              <a:t> </a:t>
-            </a:r>
-            <a:r>
-              <a:rPr lang="en-US" altLang="zh-CN" dirty="0" smtClean="0"/>
-              <a:t>* </a:t>
-            </a:r>
-            <a:r>
-              <a:rPr lang="zh-CN" altLang="en-US" dirty="0" smtClean="0"/>
-              <a:t>，因此访问像素的另一种方法</a:t>
-            </a:r>
-            <a:r>
-              <a:rPr lang="zh-CN" altLang="en-US" dirty="0" smtClean="0"/>
-              <a:t>？</a:t>
-            </a:r>
-            <a:endParaRPr lang="en-US" altLang="zh-CN" dirty="0" smtClean="0"/>
-          </a:p>
-          <a:p>
-            <a:r>
-              <a:rPr lang="zh-CN" altLang="en-US" dirty="0" smtClean="0"/>
-              <a:t>彩色转灰度：</a:t>
-            </a:r>
-            <a:r>
-              <a:rPr lang="en-US" altLang="zh-CN" dirty="0" smtClean="0"/>
-              <a:t>cvtColor(I, gray, CV_BGR2GRAY);</a:t>
-            </a:r>
-          </a:p>
-          <a:p>
-            <a:r>
-              <a:rPr lang="zh-CN" altLang="en-US" dirty="0"/>
-              <a:t>保存图像：</a:t>
-            </a:r>
-            <a:r>
-              <a:rPr lang="en-US" altLang="zh-CN" dirty="0" err="1"/>
-              <a:t>imwrite</a:t>
-            </a:r>
-            <a:r>
-              <a:rPr lang="en-US" altLang="zh-CN" dirty="0"/>
-              <a:t>(“2.jpg”, I</a:t>
-            </a:r>
-            <a:r>
-              <a:rPr lang="en-US" altLang="zh-CN" dirty="0" smtClean="0"/>
-              <a:t>);</a:t>
-            </a:r>
-          </a:p>
-          <a:p>
-            <a:r>
-              <a:rPr lang="zh-CN" altLang="en-US" dirty="0" smtClean="0"/>
-              <a:t>显示图像：</a:t>
-            </a:r>
-            <a:r>
-              <a:rPr lang="en-US" altLang="zh-CN" dirty="0" err="1" smtClean="0"/>
-              <a:t>imshow</a:t>
-            </a:r>
-            <a:r>
-              <a:rPr lang="en-US" altLang="zh-CN" dirty="0" smtClean="0"/>
-              <a:t>(“name”, I); </a:t>
-            </a:r>
-            <a:r>
-              <a:rPr lang="en-US" altLang="zh-CN" dirty="0" err="1" smtClean="0"/>
-              <a:t>waitKey</a:t>
-            </a:r>
-            <a:r>
-              <a:rPr lang="en-US" altLang="zh-CN" dirty="0" smtClean="0"/>
-              <a:t>(t); // t</a:t>
-            </a:r>
-            <a:r>
-              <a:rPr lang="zh-CN" altLang="en-US" dirty="0" smtClean="0"/>
-              <a:t>单位为毫秒，</a:t>
-            </a:r>
-            <a:r>
-              <a:rPr lang="en-US" altLang="zh-CN" dirty="0" smtClean="0"/>
-              <a:t>t=0</a:t>
-            </a:r>
-            <a:r>
-              <a:rPr lang="zh-CN" altLang="en-US" dirty="0" smtClean="0"/>
-              <a:t>表示一直等待</a:t>
-            </a:r>
+              <a:t>全面统一的库</a:t>
+            </a:r>
+            <a:r>
+              <a:rPr lang="en-US" altLang="zh-CN" dirty="0" smtClean="0"/>
+              <a:t>opencv_world320.lib</a:t>
+            </a:r>
+            <a:endParaRPr lang="en-US" altLang="zh-CN" dirty="0"/>
+          </a:p>
+          <a:p>
             <a:endParaRPr lang="zh-CN" altLang="en-US" dirty="0"/>
           </a:p>
         </p:txBody>
       </p:sp>
+      <p:pic>
+        <p:nvPicPr>
+          <p:cNvPr id="4" name="图片 3" descr="屏幕剪辑"/>
+          <p:cNvPicPr>
+            <a:picLocks noChangeAspect="1"/>
+          </p:cNvPicPr>
+          <p:nvPr/>
+        </p:nvPicPr>
+        <p:blipFill>
+          <a:blip r:embed="rId4">
+            <a:extLst>
+              <a:ext uri="{28A0092B-C50C-407E-A947-70E740481C1C}">
+                <a14:useLocalDpi xmlns:a14="http://schemas.microsoft.com/office/drawing/2010/main" val="0"/>
+              </a:ext>
+            </a:extLst>
+          </a:blip>
+          <a:stretch>
+            <a:fillRect/>
+          </a:stretch>
+        </p:blipFill>
+        <p:spPr>
+          <a:xfrm>
+            <a:off x="8917962" y="2033775"/>
+            <a:ext cx="3003422" cy="1967519"/>
+          </a:xfrm>
+          <a:prstGeom prst="rect">
+            <a:avLst/>
+          </a:prstGeom>
+        </p:spPr>
+      </p:pic>
     </p:spTree>
     <p:extLst>
       <p:ext uri="{BB962C8B-B14F-4D97-AF65-F5344CB8AC3E}">
-        <p14:creationId xmlns:p14="http://schemas.microsoft.com/office/powerpoint/2010/main" val="2632489982"/>
+        <p14:creationId xmlns:p14="http://schemas.microsoft.com/office/powerpoint/2010/main" val="1868637962"/>
       </p:ext>
     </p:extLst>
   </p:cSld>
   <p:clrMapOvr>
     <a:masterClrMapping/>
   </p:clrMapOvr>
-  <p:timing>
-    <p:tnLst>
-      <p:par>
-        <p:cTn id="1" dur="indefinite" restart="never" nodeType="tmRoot"/>
-      </p:par>
-    </p:tnLst>
-  </p:timing>
 </p:sld>
 </file>
 
@@ -3623,15 +3862,19 @@
           <a:p>
             <a:r>
               <a:rPr lang="en-US" altLang="zh-CN" dirty="0" err="1" smtClean="0"/>
-              <a:t>Opencv</a:t>
-            </a:r>
-            <a:r>
-              <a:rPr lang="en-US" altLang="zh-CN" dirty="0" smtClean="0"/>
-              <a:t> C++</a:t>
-            </a:r>
-            <a:r>
-              <a:rPr lang="zh-CN" altLang="en-US" dirty="0" smtClean="0"/>
-              <a:t>更多常见用法</a:t>
+              <a:t>OpenCV</a:t>
+            </a:r>
+            <a:r>
+              <a:rPr lang="en-US" altLang="zh-CN" dirty="0" smtClean="0"/>
+              <a:t> C</a:t>
+            </a:r>
+            <a:r>
+              <a:rPr lang="en-US" altLang="zh-CN" dirty="0" smtClean="0"/>
+              <a:t>++</a:t>
+            </a:r>
+            <a:r>
+              <a:rPr lang="zh-CN" altLang="en-US" dirty="0" smtClean="0"/>
+              <a:t>编程基本</a:t>
             </a:r>
             <a:endParaRPr lang="zh-CN" altLang="en-US" dirty="0"/>
           </a:p>
@@ -3650,33 +3893,94 @@
         <p:spPr/>
         <p:txBody>
           <a:bodyPr>
-            <a:normAutofit/>
+            <a:normAutofit fontScale="92500" lnSpcReduction="10000"/>
           </a:bodyPr>
           <a:lstStyle/>
           <a:p>
             <a:r>
               <a:rPr lang="zh-CN" altLang="en-US" dirty="0" smtClean="0"/>
-              <a:t>访问图像第</a:t>
+              <a:t>打开图像：</a:t>
+            </a:r>
+            <a:r>
+              <a:rPr lang="en-US" altLang="zh-CN" dirty="0" smtClean="0"/>
+              <a:t>Mat I = </a:t>
             </a:r>
             <a:r>
               <a:rPr lang="en-US" altLang="zh-CN" dirty="0" err="1" smtClean="0"/>
-              <a:t>i</a:t>
-            </a:r>
-            <a:r>
-              <a:rPr lang="zh-CN" altLang="en-US" dirty="0" smtClean="0"/>
-              <a:t>行的首地址：</a:t>
-            </a:r>
-            <a:r>
-              <a:rPr lang="en-US" altLang="zh-CN" dirty="0" smtClean="0"/>
-              <a:t>p = </a:t>
+              <a:t>imread</a:t>
+            </a:r>
+            <a:r>
+              <a:rPr lang="en-US" altLang="zh-CN" dirty="0" smtClean="0"/>
+              <a:t>(“1.jpg”, </a:t>
+            </a:r>
+            <a:r>
+              <a:rPr lang="en-US" altLang="zh-CN" dirty="0"/>
+              <a:t>CV_LOAD_IMAGE_GRAYSCALE</a:t>
+            </a:r>
+            <a:r>
+              <a:rPr lang="en-US" altLang="zh-CN" dirty="0" smtClean="0"/>
+              <a:t>);</a:t>
+            </a:r>
+          </a:p>
+          <a:p>
+            <a:pPr marL="457200" lvl="1" indent="0">
+              <a:buNone/>
+            </a:pPr>
+            <a:r>
+              <a:rPr lang="en-US" altLang="zh-CN" dirty="0" smtClean="0"/>
+              <a:t>CV_LOAD_IMAGE_GRAYSCALE</a:t>
+            </a:r>
+            <a:r>
+              <a:rPr lang="zh-CN" altLang="en-US" dirty="0" smtClean="0"/>
+              <a:t>表示灰度，</a:t>
+            </a:r>
+            <a:r>
+              <a:rPr lang="zh-CN" altLang="en-US" dirty="0"/>
+              <a:t>如果不</a:t>
+            </a:r>
+            <a:r>
+              <a:rPr lang="zh-CN" altLang="en-US" dirty="0" smtClean="0"/>
+              <a:t>加这个则是以彩色图像</a:t>
+            </a:r>
+            <a:r>
+              <a:rPr lang="en-US" altLang="zh-CN" dirty="0" smtClean="0"/>
+              <a:t>BGR</a:t>
+            </a:r>
+            <a:r>
+              <a:rPr lang="zh-CN" altLang="en-US" dirty="0" smtClean="0"/>
+              <a:t>打开</a:t>
+            </a:r>
+          </a:p>
+          <a:p>
+            <a:r>
+              <a:rPr lang="zh-CN" altLang="en-US" dirty="0" smtClean="0"/>
+              <a:t>图像宽度：</a:t>
             </a:r>
             <a:r>
               <a:rPr lang="en-US" altLang="zh-CN" dirty="0" err="1" smtClean="0"/>
-              <a:t>I.ptr</a:t>
-            </a:r>
-            <a:r>
-              <a:rPr lang="en-US" altLang="zh-CN" dirty="0" smtClean="0"/>
-              <a:t>&lt;</a:t>
+              <a:t>I.cols</a:t>
+            </a:r>
+            <a:endParaRPr lang="en-US" altLang="zh-CN" dirty="0" smtClean="0"/>
+          </a:p>
+          <a:p>
+            <a:r>
+              <a:rPr lang="zh-CN" altLang="en-US" dirty="0" smtClean="0"/>
+              <a:t>图像高度：</a:t>
+            </a:r>
+            <a:r>
+              <a:rPr lang="en-US" altLang="zh-CN" dirty="0" err="1" smtClean="0"/>
+              <a:t>I.rows</a:t>
+            </a:r>
+            <a:endParaRPr lang="en-US" altLang="zh-CN" dirty="0" smtClean="0"/>
+          </a:p>
+          <a:p>
+            <a:r>
+              <a:rPr lang="zh-CN" altLang="en-US" dirty="0" smtClean="0"/>
+              <a:t>访问灰度图某个像素：</a:t>
+            </a:r>
+            <a:r>
+              <a:rPr lang="en-US" altLang="zh-CN" dirty="0" smtClean="0"/>
+              <a:t>I.at&lt;</a:t>
             </a:r>
             <a:r>
               <a:rPr lang="en-US" altLang="zh-CN" dirty="0" err="1" smtClean="0"/>
@@ -3688,7 +3992,70 @@
             </a:r>
             <a:r>
               <a:rPr lang="en-US" altLang="zh-CN" dirty="0" err="1" smtClean="0"/>
-              <a:t>i</a:t>
+              <a:t>i,j</a:t>
+            </a:r>
+            <a:r>
+              <a:rPr lang="en-US" altLang="zh-CN" dirty="0" smtClean="0"/>
+              <a:t>)</a:t>
+            </a:r>
+          </a:p>
+          <a:p>
+            <a:r>
+              <a:rPr lang="zh-CN" altLang="en-US" dirty="0"/>
+              <a:t>图像数据首地址：</a:t>
+            </a:r>
+            <a:r>
+              <a:rPr lang="en-US" altLang="zh-CN" dirty="0" err="1"/>
+              <a:t>I.data</a:t>
+            </a:r>
+            <a:r>
+              <a:rPr lang="en-US" altLang="zh-CN" dirty="0"/>
+              <a:t>, </a:t>
+            </a:r>
+            <a:r>
+              <a:rPr lang="zh-CN" altLang="en-US" dirty="0"/>
+              <a:t>类型</a:t>
+            </a:r>
+            <a:r>
+              <a:rPr lang="en-US" altLang="zh-CN" dirty="0" err="1"/>
+              <a:t>uchar</a:t>
+            </a:r>
+            <a:r>
+              <a:rPr lang="en-US" altLang="zh-CN" dirty="0"/>
+              <a:t> </a:t>
+            </a:r>
+            <a:r>
+              <a:rPr lang="en-US" altLang="zh-CN" dirty="0" smtClean="0"/>
+              <a:t>* </a:t>
+            </a:r>
+            <a:r>
+              <a:rPr lang="zh-CN" altLang="en-US" dirty="0" smtClean="0"/>
+              <a:t>，因此访问像素的另一种方法？</a:t>
+            </a:r>
+            <a:endParaRPr lang="en-US" altLang="zh-CN" dirty="0" smtClean="0"/>
+          </a:p>
+          <a:p>
+            <a:r>
+              <a:rPr lang="zh-CN" altLang="en-US" dirty="0" smtClean="0"/>
+              <a:t>彩色转灰度：</a:t>
+            </a:r>
+            <a:r>
+              <a:rPr lang="en-US" altLang="zh-CN" dirty="0" smtClean="0"/>
+              <a:t>cvtColor(I, gray, CV_BGR2GRAY);</a:t>
+            </a:r>
+          </a:p>
+          <a:p>
+            <a:r>
+              <a:rPr lang="zh-CN" altLang="en-US" dirty="0"/>
+              <a:t>保存图像：</a:t>
+            </a:r>
+            <a:r>
+              <a:rPr lang="en-US" altLang="zh-CN" dirty="0" err="1"/>
+              <a:t>imwrite</a:t>
+            </a:r>
+            <a:r>
+              <a:rPr lang="en-US" altLang="zh-CN" dirty="0"/>
+              <a:t>(“2.jpg”, I</a:t>
             </a:r>
             <a:r>
               <a:rPr lang="en-US" altLang="zh-CN" dirty="0" smtClean="0"/>
@@ -3697,98 +4064,36 @@
           </a:p>
           <a:p>
             <a:r>
+              <a:rPr lang="zh-CN" altLang="en-US" dirty="0" smtClean="0"/>
+              <a:t>显示图像：</a:t>
+            </a:r>
+            <a:r>
               <a:rPr lang="en-US" altLang="zh-CN" dirty="0" err="1" smtClean="0"/>
-              <a:t>I.step</a:t>
-            </a:r>
-            <a:r>
-              <a:rPr lang="en-US" altLang="zh-CN" dirty="0" smtClean="0"/>
-              <a:t> , </a:t>
-            </a:r>
-            <a:r>
-              <a:rPr lang="zh-CN" altLang="en-US" dirty="0" smtClean="0"/>
-              <a:t>步长，即垂直方向相邻像素之间隔几个字节。如果没有</a:t>
-            </a:r>
-            <a:r>
-              <a:rPr lang="en-US" altLang="zh-CN" dirty="0" smtClean="0"/>
-              <a:t>padding</a:t>
-            </a:r>
-            <a:r>
-              <a:rPr lang="zh-CN" altLang="en-US" dirty="0" smtClean="0"/>
-              <a:t>，则等于</a:t>
-            </a:r>
-            <a:r>
-              <a:rPr lang="en-US" altLang="zh-CN" dirty="0" smtClean="0"/>
-              <a:t>cols * </a:t>
+              <a:t>imshow</a:t>
+            </a:r>
+            <a:r>
+              <a:rPr lang="en-US" altLang="zh-CN" dirty="0" smtClean="0"/>
+              <a:t>(“name”, I); </a:t>
             </a:r>
             <a:r>
               <a:rPr lang="en-US" altLang="zh-CN" dirty="0" err="1" smtClean="0"/>
-              <a:t>elemSize</a:t>
-            </a:r>
-            <a:r>
-              <a:rPr lang="en-US" altLang="zh-CN" dirty="0" smtClean="0"/>
-              <a:t>()</a:t>
-            </a:r>
-          </a:p>
-          <a:p>
-            <a:r>
-              <a:rPr lang="zh-CN" altLang="en-US" dirty="0" smtClean="0"/>
-              <a:t>视频操作：</a:t>
-            </a:r>
-            <a:endParaRPr lang="en-US" altLang="zh-CN" dirty="0" smtClean="0"/>
-          </a:p>
-          <a:p>
-            <a:pPr lvl="1"/>
-            <a:r>
-              <a:rPr lang="en-US" altLang="zh-CN" dirty="0" smtClean="0"/>
-              <a:t>VideoCapture </a:t>
-            </a:r>
-            <a:r>
-              <a:rPr lang="en-US" altLang="zh-CN" dirty="0"/>
-              <a:t>cap(0);  if(!</a:t>
-            </a:r>
-            <a:r>
-              <a:rPr lang="en-US" altLang="zh-CN" dirty="0" err="1"/>
-              <a:t>cap.isOpened</a:t>
-            </a:r>
-            <a:r>
-              <a:rPr lang="en-US" altLang="zh-CN" dirty="0"/>
-              <a:t>()) return -1</a:t>
-            </a:r>
-            <a:r>
-              <a:rPr lang="en-US" altLang="zh-CN" dirty="0" smtClean="0"/>
-              <a:t>; // </a:t>
-            </a:r>
-            <a:r>
-              <a:rPr lang="zh-CN" altLang="en-US" dirty="0" smtClean="0"/>
-              <a:t>打开</a:t>
-            </a:r>
-            <a:endParaRPr lang="en-US" altLang="zh-CN" dirty="0" smtClean="0"/>
-          </a:p>
-          <a:p>
-            <a:pPr lvl="1"/>
-            <a:r>
-              <a:rPr lang="en-US" altLang="zh-CN" dirty="0" smtClean="0"/>
-              <a:t>for</a:t>
-            </a:r>
-            <a:r>
-              <a:rPr lang="en-US" altLang="zh-CN" dirty="0"/>
-              <a:t>(;;) { Mat </a:t>
-            </a:r>
-            <a:r>
-              <a:rPr lang="en-US" altLang="zh-CN" dirty="0" smtClean="0"/>
-              <a:t>I; </a:t>
-            </a:r>
-            <a:r>
-              <a:rPr lang="en-US" altLang="zh-CN" dirty="0"/>
-              <a:t>cap &gt;&gt; </a:t>
-            </a:r>
-            <a:r>
-              <a:rPr lang="en-US" altLang="zh-CN" dirty="0" smtClean="0"/>
-              <a:t>I; ……} // </a:t>
-            </a:r>
-            <a:r>
-              <a:rPr lang="zh-CN" altLang="en-US" dirty="0" smtClean="0"/>
-              <a:t>操作每一帧</a:t>
+              <a:t>waitKey</a:t>
+            </a:r>
+            <a:r>
+              <a:rPr lang="en-US" altLang="zh-CN" dirty="0" smtClean="0"/>
+              <a:t>(t); // t</a:t>
+            </a:r>
+            <a:r>
+              <a:rPr lang="zh-CN" altLang="en-US" dirty="0" smtClean="0"/>
+              <a:t>单位为毫秒，</a:t>
+            </a:r>
+            <a:r>
+              <a:rPr lang="en-US" altLang="zh-CN" dirty="0" smtClean="0"/>
+              <a:t>t=0</a:t>
+            </a:r>
+            <a:r>
+              <a:rPr lang="zh-CN" altLang="en-US" dirty="0" smtClean="0"/>
+              <a:t>表示一直等待</a:t>
             </a:r>
             <a:endParaRPr lang="zh-CN" altLang="en-US" dirty="0"/>
           </a:p>
@@ -3797,7 +4102,7 @@
     </p:spTree>
     <p:extLst>
       <p:ext uri="{BB962C8B-B14F-4D97-AF65-F5344CB8AC3E}">
-        <p14:creationId xmlns:p14="http://schemas.microsoft.com/office/powerpoint/2010/main" val="4165626323"/>
+        <p14:creationId xmlns:p14="http://schemas.microsoft.com/office/powerpoint/2010/main" val="2632489982"/>
       </p:ext>
     </p:extLst>
   </p:cSld>
@@ -3841,619 +4146,183 @@
             <p:ph type="title"/>
           </p:nvPr>
         </p:nvSpPr>
-        <p:spPr>
-          <a:xfrm>
-            <a:off x="838200" y="365125"/>
-            <a:ext cx="10515600" cy="625475"/>
-          </a:xfrm>
-        </p:spPr>
+        <p:spPr/>
+        <p:txBody>
+          <a:bodyPr/>
+          <a:lstStyle/>
+          <a:p>
+            <a:r>
+              <a:rPr lang="en-US" altLang="zh-CN" dirty="0" err="1" smtClean="0"/>
+              <a:t>Opencv</a:t>
+            </a:r>
+            <a:r>
+              <a:rPr lang="en-US" altLang="zh-CN" dirty="0" smtClean="0"/>
+              <a:t> C++</a:t>
+            </a:r>
+            <a:r>
+              <a:rPr lang="zh-CN" altLang="en-US" dirty="0" smtClean="0"/>
+              <a:t>更多</a:t>
+            </a:r>
+            <a:r>
+              <a:rPr lang="zh-CN" altLang="en-US" dirty="0" smtClean="0"/>
+              <a:t>常见编程用法</a:t>
+            </a:r>
+            <a:endParaRPr lang="zh-CN" altLang="en-US" dirty="0"/>
+          </a:p>
+        </p:txBody>
+      </p:sp>
+      <p:sp>
+        <p:nvSpPr>
+          <p:cNvPr id="3" name="内容占位符 2"/>
+          <p:cNvSpPr>
+            <a:spLocks noGrp="1"/>
+          </p:cNvSpPr>
+          <p:nvPr>
+            <p:ph idx="1"/>
+          </p:nvPr>
+        </p:nvSpPr>
+        <p:spPr/>
         <p:txBody>
           <a:bodyPr>
-            <a:normAutofit fontScale="90000"/>
+            <a:normAutofit/>
           </a:bodyPr>
           <a:lstStyle/>
           <a:p>
             <a:r>
-              <a:rPr lang="en-US" altLang="zh-CN" dirty="0" smtClean="0"/>
-              <a:t>Visual studio </a:t>
-            </a:r>
-            <a:r>
-              <a:rPr lang="zh-CN" altLang="en-US" dirty="0" smtClean="0"/>
-              <a:t>中</a:t>
+              <a:rPr lang="zh-CN" altLang="en-US" dirty="0" smtClean="0"/>
+              <a:t>访问图像第</a:t>
             </a:r>
             <a:r>
               <a:rPr lang="en-US" altLang="zh-CN" dirty="0" err="1" smtClean="0"/>
-              <a:t>opencv</a:t>
-            </a:r>
-            <a:r>
-              <a:rPr lang="zh-CN" altLang="en-US" dirty="0" smtClean="0"/>
-              <a:t>基本用法</a:t>
-            </a:r>
-            <a:endParaRPr lang="zh-CN" altLang="en-US" dirty="0"/>
-          </a:p>
-        </p:txBody>
-      </p:sp>
-      <p:sp>
-        <p:nvSpPr>
-          <p:cNvPr id="3" name="内容占位符 2"/>
-          <p:cNvSpPr>
-            <a:spLocks noGrp="1"/>
-          </p:cNvSpPr>
-          <p:nvPr>
-            <p:ph idx="1"/>
-          </p:nvPr>
-        </p:nvSpPr>
-        <p:spPr>
-          <a:xfrm>
-            <a:off x="838200" y="990600"/>
-            <a:ext cx="10515600" cy="5722815"/>
-          </a:xfrm>
-        </p:spPr>
-        <p:txBody>
-          <a:bodyPr>
-            <a:normAutofit fontScale="77500" lnSpcReduction="20000"/>
-          </a:bodyPr>
-          <a:lstStyle/>
-          <a:p>
-            <a:r>
-              <a:rPr lang="zh-CN" altLang="en-US" dirty="0" smtClean="0"/>
-              <a:t>新建项目：菜单</a:t>
-            </a:r>
-            <a:r>
-              <a:rPr lang="en-US" altLang="zh-CN" dirty="0" smtClean="0"/>
-              <a:t>-</a:t>
-            </a:r>
-            <a:r>
-              <a:rPr lang="zh-CN" altLang="en-US" dirty="0" smtClean="0"/>
-              <a:t>文件</a:t>
-            </a:r>
-            <a:r>
-              <a:rPr lang="en-US" altLang="zh-CN" dirty="0" smtClean="0"/>
-              <a:t>-</a:t>
-            </a:r>
-            <a:r>
-              <a:rPr lang="zh-CN" altLang="en-US" dirty="0" smtClean="0"/>
-              <a:t>新建</a:t>
-            </a:r>
-            <a:r>
-              <a:rPr lang="en-US" altLang="zh-CN" dirty="0" smtClean="0"/>
-              <a:t>-</a:t>
-            </a:r>
-            <a:r>
-              <a:rPr lang="zh-CN" altLang="en-US" dirty="0" smtClean="0"/>
-              <a:t>项目，选择</a:t>
-            </a:r>
-            <a:r>
-              <a:rPr lang="en-US" altLang="zh-CN" dirty="0" smtClean="0"/>
-              <a:t>win32</a:t>
-            </a:r>
-            <a:r>
-              <a:rPr lang="zh-CN" altLang="en-US" dirty="0" smtClean="0"/>
-              <a:t>控制台应用程序，输入项目名字，确定，应用程序设置，勾选空项目，完成，新建项目完毕。</a:t>
+              <a:t>i</a:t>
+            </a:r>
+            <a:r>
+              <a:rPr lang="zh-CN" altLang="en-US" dirty="0" smtClean="0"/>
+              <a:t>行的首地址：</a:t>
+            </a:r>
+            <a:r>
+              <a:rPr lang="en-US" altLang="zh-CN" dirty="0" smtClean="0"/>
+              <a:t>p = </a:t>
+            </a:r>
+            <a:r>
+              <a:rPr lang="en-US" altLang="zh-CN" dirty="0" err="1" smtClean="0"/>
+              <a:t>I.ptr</a:t>
+            </a:r>
+            <a:r>
+              <a:rPr lang="en-US" altLang="zh-CN" dirty="0" smtClean="0"/>
+              <a:t>&lt;</a:t>
+            </a:r>
+            <a:r>
+              <a:rPr lang="en-US" altLang="zh-CN" dirty="0" err="1" smtClean="0"/>
+              <a:t>uchar</a:t>
+            </a:r>
+            <a:r>
+              <a:rPr lang="en-US" altLang="zh-CN" dirty="0" smtClean="0"/>
+              <a:t>&gt;(</a:t>
+            </a:r>
+            <a:r>
+              <a:rPr lang="en-US" altLang="zh-CN" dirty="0" err="1" smtClean="0"/>
+              <a:t>i</a:t>
+            </a:r>
+            <a:r>
+              <a:rPr lang="en-US" altLang="zh-CN" dirty="0" smtClean="0"/>
+              <a:t>);</a:t>
+            </a:r>
+          </a:p>
+          <a:p>
+            <a:r>
+              <a:rPr lang="en-US" altLang="zh-CN" dirty="0" err="1" smtClean="0"/>
+              <a:t>I.step</a:t>
+            </a:r>
+            <a:r>
+              <a:rPr lang="en-US" altLang="zh-CN" dirty="0" smtClean="0"/>
+              <a:t> , </a:t>
+            </a:r>
+            <a:r>
+              <a:rPr lang="zh-CN" altLang="en-US" dirty="0" smtClean="0"/>
+              <a:t>步长，即垂直方向相邻像素之间隔几个字节。如果没有</a:t>
+            </a:r>
+            <a:r>
+              <a:rPr lang="en-US" altLang="zh-CN" dirty="0" smtClean="0"/>
+              <a:t>padding</a:t>
+            </a:r>
+            <a:r>
+              <a:rPr lang="zh-CN" altLang="en-US" dirty="0" smtClean="0"/>
+              <a:t>，则等于</a:t>
+            </a:r>
+            <a:r>
+              <a:rPr lang="en-US" altLang="zh-CN" dirty="0" smtClean="0"/>
+              <a:t>cols * </a:t>
+            </a:r>
+            <a:r>
+              <a:rPr lang="en-US" altLang="zh-CN" dirty="0" err="1" smtClean="0"/>
+              <a:t>elemSize</a:t>
+            </a:r>
+            <a:r>
+              <a:rPr lang="en-US" altLang="zh-CN" dirty="0" smtClean="0"/>
+              <a:t>()</a:t>
+            </a:r>
+          </a:p>
+          <a:p>
+            <a:r>
+              <a:rPr lang="zh-CN" altLang="en-US" dirty="0" smtClean="0"/>
+              <a:t>视频操作：</a:t>
             </a:r>
             <a:endParaRPr lang="en-US" altLang="zh-CN" dirty="0" smtClean="0"/>
           </a:p>
           <a:p>
-            <a:r>
-              <a:rPr lang="zh-CN" altLang="en-US" dirty="0" smtClean="0"/>
-              <a:t>新建源文件：解决方案资源管理器，项目上右键，添加</a:t>
-            </a:r>
-            <a:r>
-              <a:rPr lang="en-US" altLang="zh-CN" dirty="0" smtClean="0"/>
-              <a:t>-</a:t>
-            </a:r>
-            <a:r>
-              <a:rPr lang="zh-CN" altLang="en-US" dirty="0" smtClean="0"/>
-              <a:t>新建项</a:t>
-            </a:r>
-            <a:r>
-              <a:rPr lang="en-US" altLang="zh-CN" dirty="0" smtClean="0"/>
-              <a:t>-C++</a:t>
-            </a:r>
-            <a:r>
-              <a:rPr lang="zh-CN" altLang="en-US" dirty="0" smtClean="0"/>
-              <a:t>源文件，输入名字，确定</a:t>
+            <a:pPr lvl="1"/>
+            <a:r>
+              <a:rPr lang="en-US" altLang="zh-CN" dirty="0" smtClean="0"/>
+              <a:t>VideoCapture </a:t>
+            </a:r>
+            <a:r>
+              <a:rPr lang="en-US" altLang="zh-CN" dirty="0"/>
+              <a:t>cap(0);  if(!</a:t>
+            </a:r>
+            <a:r>
+              <a:rPr lang="en-US" altLang="zh-CN" dirty="0" err="1"/>
+              <a:t>cap.isOpened</a:t>
+            </a:r>
+            <a:r>
+              <a:rPr lang="en-US" altLang="zh-CN" dirty="0"/>
+              <a:t>()) return -1</a:t>
+            </a:r>
+            <a:r>
+              <a:rPr lang="en-US" altLang="zh-CN" dirty="0" smtClean="0"/>
+              <a:t>; // </a:t>
+            </a:r>
+            <a:r>
+              <a:rPr lang="zh-CN" altLang="en-US" dirty="0" smtClean="0"/>
+              <a:t>打开</a:t>
             </a:r>
             <a:endParaRPr lang="en-US" altLang="zh-CN" dirty="0" smtClean="0"/>
           </a:p>
           <a:p>
-            <a:r>
-              <a:rPr lang="zh-CN" altLang="en-US" dirty="0" smtClean="0"/>
-              <a:t>修改配置：解决方案上右键</a:t>
-            </a:r>
-            <a:r>
-              <a:rPr lang="en-US" altLang="zh-CN" dirty="0" smtClean="0"/>
-              <a:t>-</a:t>
-            </a:r>
-            <a:r>
-              <a:rPr lang="zh-CN" altLang="en-US" dirty="0" smtClean="0"/>
-              <a:t>配置管理器，或菜单</a:t>
-            </a:r>
-            <a:r>
-              <a:rPr lang="en-US" altLang="zh-CN" dirty="0" smtClean="0"/>
-              <a:t>-</a:t>
-            </a:r>
-            <a:r>
-              <a:rPr lang="zh-CN" altLang="en-US" dirty="0" smtClean="0"/>
-              <a:t>生成</a:t>
-            </a:r>
-            <a:r>
-              <a:rPr lang="en-US" altLang="zh-CN" dirty="0" smtClean="0"/>
-              <a:t>-</a:t>
-            </a:r>
-            <a:r>
-              <a:rPr lang="zh-CN" altLang="en-US" dirty="0" smtClean="0"/>
-              <a:t>配置管理器，活动解决方案平台，</a:t>
-            </a:r>
-            <a:r>
-              <a:rPr lang="en-US" altLang="zh-CN" dirty="0" smtClean="0"/>
-              <a:t>win32</a:t>
-            </a:r>
-            <a:r>
-              <a:rPr lang="zh-CN" altLang="en-US" dirty="0" smtClean="0"/>
-              <a:t>或</a:t>
-            </a:r>
-            <a:r>
-              <a:rPr lang="en-US" altLang="zh-CN" dirty="0" smtClean="0"/>
-              <a:t>x64</a:t>
-            </a:r>
-            <a:r>
-              <a:rPr lang="zh-CN" altLang="en-US" dirty="0" smtClean="0"/>
-              <a:t>均可，活动方案配置，改为</a:t>
-            </a:r>
-            <a:r>
-              <a:rPr lang="en-US" altLang="zh-CN" dirty="0" smtClean="0"/>
-              <a:t>release</a:t>
-            </a:r>
-            <a:r>
-              <a:rPr lang="zh-CN" altLang="en-US" dirty="0" smtClean="0"/>
-              <a:t>（依个人喜好</a:t>
-            </a:r>
-            <a:r>
-              <a:rPr lang="en-US" altLang="zh-CN" dirty="0" smtClean="0"/>
-              <a:t>debug</a:t>
-            </a:r>
-            <a:r>
-              <a:rPr lang="zh-CN" altLang="en-US" dirty="0" smtClean="0"/>
-              <a:t>也可）</a:t>
-            </a:r>
-            <a:endParaRPr lang="en-US" altLang="zh-CN" dirty="0" smtClean="0"/>
-          </a:p>
-          <a:p>
-            <a:r>
-              <a:rPr lang="zh-CN" altLang="en-US" dirty="0" smtClean="0"/>
-              <a:t>添加包含目录（头文件目录）：项目右键</a:t>
-            </a:r>
-            <a:r>
-              <a:rPr lang="en-US" altLang="zh-CN" dirty="0" smtClean="0"/>
-              <a:t>-</a:t>
-            </a:r>
-            <a:r>
-              <a:rPr lang="zh-CN" altLang="en-US" dirty="0" smtClean="0"/>
-              <a:t>属性</a:t>
-            </a:r>
-            <a:r>
-              <a:rPr lang="en-US" altLang="zh-CN" dirty="0" smtClean="0"/>
-              <a:t>-c/</a:t>
-            </a:r>
-            <a:r>
-              <a:rPr lang="en-US" altLang="zh-CN" dirty="0" err="1" smtClean="0"/>
-              <a:t>c++</a:t>
-            </a:r>
-            <a:r>
-              <a:rPr lang="en-US" altLang="zh-CN" dirty="0" smtClean="0"/>
-              <a:t>-</a:t>
-            </a:r>
-            <a:r>
-              <a:rPr lang="zh-CN" altLang="en-US" dirty="0" smtClean="0"/>
-              <a:t>常规</a:t>
-            </a:r>
-            <a:r>
-              <a:rPr lang="en-US" altLang="zh-CN" dirty="0" smtClean="0"/>
-              <a:t>-</a:t>
-            </a:r>
-            <a:r>
-              <a:rPr lang="zh-CN" altLang="en-US" dirty="0" smtClean="0"/>
-              <a:t>附加包含目录</a:t>
-            </a:r>
-            <a:r>
-              <a:rPr lang="en-US" altLang="zh-CN" dirty="0" smtClean="0"/>
-              <a:t>-</a:t>
-            </a:r>
-            <a:r>
-              <a:rPr lang="zh-CN" altLang="en-US" dirty="0" smtClean="0"/>
-              <a:t>向下箭头</a:t>
-            </a:r>
-            <a:r>
-              <a:rPr lang="en-US" altLang="zh-CN" dirty="0" smtClean="0"/>
-              <a:t>-</a:t>
-            </a:r>
-            <a:r>
-              <a:rPr lang="zh-CN" altLang="en-US" dirty="0" smtClean="0"/>
-              <a:t>编辑，输入头文件所在路径</a:t>
-            </a:r>
-            <a:endParaRPr lang="en-US" altLang="zh-CN" dirty="0" smtClean="0"/>
-          </a:p>
-          <a:p>
-            <a:r>
-              <a:rPr lang="zh-CN" altLang="en-US" dirty="0" smtClean="0"/>
-              <a:t>添加依赖库：</a:t>
-            </a:r>
-            <a:r>
-              <a:rPr lang="zh-CN" altLang="en-US" dirty="0"/>
-              <a:t>项目右键</a:t>
+            <a:pPr lvl="1"/>
+            <a:r>
+              <a:rPr lang="en-US" altLang="zh-CN" dirty="0" smtClean="0"/>
+              <a:t>for</a:t>
             </a:r>
             <a:r>
               <a:rPr lang="en-US" altLang="zh-CN" dirty="0"/>
-              <a:t>-</a:t>
-            </a:r>
-            <a:r>
-              <a:rPr lang="zh-CN" altLang="en-US" dirty="0"/>
-              <a:t>属性</a:t>
-            </a:r>
-            <a:r>
-              <a:rPr lang="en-US" altLang="zh-CN" dirty="0" smtClean="0"/>
-              <a:t>-</a:t>
-            </a:r>
-            <a:r>
-              <a:rPr lang="zh-CN" altLang="en-US" dirty="0" smtClean="0"/>
-              <a:t>链接器</a:t>
-            </a:r>
-            <a:r>
-              <a:rPr lang="en-US" altLang="zh-CN" dirty="0" smtClean="0"/>
-              <a:t>-</a:t>
-            </a:r>
-            <a:r>
-              <a:rPr lang="zh-CN" altLang="en-US" dirty="0" smtClean="0"/>
-              <a:t>输入</a:t>
-            </a:r>
-            <a:r>
-              <a:rPr lang="en-US" altLang="zh-CN" dirty="0" smtClean="0"/>
-              <a:t>-</a:t>
-            </a:r>
-            <a:r>
-              <a:rPr lang="zh-CN" altLang="en-US" dirty="0" smtClean="0"/>
-              <a:t>附加依赖项，添加</a:t>
-            </a:r>
-            <a:r>
-              <a:rPr lang="en-US" altLang="zh-CN" dirty="0" smtClean="0"/>
-              <a:t>opencv_corexxx.lib, opencv_imgprocxxx.lib, opencv_highguixxx.lib</a:t>
-            </a:r>
-            <a:r>
-              <a:rPr lang="zh-CN" altLang="en-US" dirty="0" smtClean="0"/>
-              <a:t>，</a:t>
-            </a:r>
-            <a:r>
-              <a:rPr lang="en-US" altLang="zh-CN" dirty="0" smtClean="0"/>
-              <a:t>xxx</a:t>
-            </a:r>
-            <a:r>
-              <a:rPr lang="zh-CN" altLang="en-US" dirty="0" smtClean="0"/>
-              <a:t>表示版本号，如果是</a:t>
-            </a:r>
-            <a:r>
-              <a:rPr lang="en-US" altLang="zh-CN" dirty="0" smtClean="0"/>
-              <a:t>debug</a:t>
-            </a:r>
-            <a:r>
-              <a:rPr lang="zh-CN" altLang="en-US" dirty="0" smtClean="0"/>
-              <a:t>，</a:t>
-            </a:r>
-            <a:r>
-              <a:rPr lang="en-US" altLang="zh-CN" dirty="0" smtClean="0"/>
-              <a:t>lib</a:t>
-            </a:r>
-            <a:r>
-              <a:rPr lang="zh-CN" altLang="en-US" dirty="0" smtClean="0"/>
-              <a:t>文件名最后带</a:t>
-            </a:r>
-            <a:r>
-              <a:rPr lang="en-US" altLang="zh-CN" dirty="0" smtClean="0"/>
-              <a:t>d</a:t>
-            </a:r>
-          </a:p>
-          <a:p>
-            <a:r>
-              <a:rPr lang="zh-CN" altLang="en-US" dirty="0" smtClean="0"/>
-              <a:t>添加依赖库目录：</a:t>
-            </a:r>
-            <a:r>
-              <a:rPr lang="zh-CN" altLang="en-US" dirty="0"/>
-              <a:t>项目右键</a:t>
+              <a:t>(;;) { Mat </a:t>
+            </a:r>
+            <a:r>
+              <a:rPr lang="en-US" altLang="zh-CN" dirty="0" smtClean="0"/>
+              <a:t>I; </a:t>
             </a:r>
             <a:r>
               <a:rPr lang="en-US" altLang="zh-CN" dirty="0"/>
-              <a:t>-</a:t>
-            </a:r>
-            <a:r>
-              <a:rPr lang="zh-CN" altLang="en-US" dirty="0"/>
-              <a:t>属性</a:t>
-            </a:r>
-            <a:r>
-              <a:rPr lang="en-US" altLang="zh-CN" dirty="0"/>
-              <a:t>-</a:t>
-            </a:r>
-            <a:r>
-              <a:rPr lang="zh-CN" altLang="en-US" dirty="0"/>
-              <a:t>链接器</a:t>
-            </a:r>
-            <a:r>
-              <a:rPr lang="en-US" altLang="zh-CN" dirty="0" smtClean="0"/>
-              <a:t>-</a:t>
-            </a:r>
-            <a:r>
-              <a:rPr lang="zh-CN" altLang="en-US" dirty="0" smtClean="0"/>
-              <a:t>常规</a:t>
-            </a:r>
-            <a:r>
-              <a:rPr lang="en-US" altLang="zh-CN" dirty="0" smtClean="0"/>
-              <a:t>-</a:t>
-            </a:r>
-            <a:r>
-              <a:rPr lang="zh-CN" altLang="en-US" dirty="0" smtClean="0"/>
-              <a:t>附加库目录，添加</a:t>
-            </a:r>
-            <a:r>
-              <a:rPr lang="en-US" altLang="zh-CN" dirty="0" smtClean="0"/>
-              <a:t>lib</a:t>
-            </a:r>
-            <a:r>
-              <a:rPr lang="zh-CN" altLang="en-US" dirty="0" smtClean="0"/>
-              <a:t>文件所在目录</a:t>
-            </a:r>
-            <a:endParaRPr lang="en-US" altLang="zh-CN" dirty="0" smtClean="0"/>
-          </a:p>
-          <a:p>
-            <a:r>
-              <a:rPr lang="zh-CN" altLang="en-US" dirty="0" smtClean="0"/>
-              <a:t>现在可以</a:t>
-            </a:r>
-            <a:r>
-              <a:rPr lang="en-US" altLang="zh-CN" dirty="0" smtClean="0"/>
-              <a:t>Ctrl+F5</a:t>
-            </a:r>
-            <a:r>
-              <a:rPr lang="zh-CN" altLang="en-US" dirty="0" smtClean="0"/>
-              <a:t>编译运行，如果运行时提示找不到</a:t>
-            </a:r>
-            <a:r>
-              <a:rPr lang="en-US" altLang="zh-CN" dirty="0" err="1" smtClean="0"/>
-              <a:t>dll</a:t>
-            </a:r>
-            <a:r>
-              <a:rPr lang="zh-CN" altLang="en-US" dirty="0" smtClean="0"/>
-              <a:t>，则要</a:t>
-            </a:r>
-            <a:r>
-              <a:rPr lang="zh-CN" altLang="en-US" dirty="0"/>
-              <a:t>添加环境变</a:t>
-            </a:r>
-            <a:r>
-              <a:rPr lang="zh-CN" altLang="en-US" dirty="0" smtClean="0"/>
-              <a:t>量（计算机</a:t>
-            </a:r>
-            <a:r>
-              <a:rPr lang="en-US" altLang="zh-CN" dirty="0" smtClean="0"/>
-              <a:t>-</a:t>
-            </a:r>
-            <a:r>
-              <a:rPr lang="zh-CN" altLang="en-US" dirty="0" smtClean="0"/>
-              <a:t>右键属性</a:t>
-            </a:r>
-            <a:r>
-              <a:rPr lang="en-US" altLang="zh-CN" dirty="0" smtClean="0"/>
-              <a:t>-</a:t>
-            </a:r>
-            <a:r>
-              <a:rPr lang="zh-CN" altLang="en-US" dirty="0" smtClean="0"/>
-              <a:t>高级系统设置</a:t>
-            </a:r>
-            <a:r>
-              <a:rPr lang="en-US" altLang="zh-CN" dirty="0" smtClean="0"/>
-              <a:t>-</a:t>
-            </a:r>
-            <a:r>
-              <a:rPr lang="zh-CN" altLang="en-US" dirty="0" smtClean="0"/>
-              <a:t>高级</a:t>
-            </a:r>
-            <a:r>
-              <a:rPr lang="en-US" altLang="zh-CN" dirty="0" smtClean="0"/>
-              <a:t>-</a:t>
-            </a:r>
-            <a:r>
-              <a:rPr lang="zh-CN" altLang="en-US" dirty="0" smtClean="0"/>
-              <a:t>环境变量</a:t>
-            </a:r>
-            <a:r>
-              <a:rPr lang="en-US" altLang="zh-CN" dirty="0" smtClean="0"/>
-              <a:t>-</a:t>
-            </a:r>
-            <a:r>
-              <a:rPr lang="zh-CN" altLang="en-US" dirty="0" smtClean="0"/>
-              <a:t>在</a:t>
-            </a:r>
-            <a:r>
-              <a:rPr lang="en-US" altLang="zh-CN" dirty="0" smtClean="0"/>
-              <a:t>Path</a:t>
-            </a:r>
-            <a:r>
-              <a:rPr lang="zh-CN" altLang="en-US" dirty="0" smtClean="0"/>
-              <a:t>中增加</a:t>
-            </a:r>
-            <a:r>
-              <a:rPr lang="en-US" altLang="zh-CN" dirty="0" err="1" smtClean="0"/>
-              <a:t>dll</a:t>
-            </a:r>
-            <a:r>
-              <a:rPr lang="zh-CN" altLang="en-US" dirty="0" smtClean="0"/>
-              <a:t>所在目录），</a:t>
-            </a:r>
-            <a:r>
-              <a:rPr lang="zh-CN" altLang="en-US" dirty="0"/>
-              <a:t>或把</a:t>
-            </a:r>
-            <a:r>
-              <a:rPr lang="en-US" altLang="zh-CN" dirty="0" err="1"/>
-              <a:t>opencv</a:t>
-            </a:r>
-            <a:r>
-              <a:rPr lang="zh-CN" altLang="en-US" dirty="0" smtClean="0"/>
-              <a:t>的上述</a:t>
-            </a:r>
-            <a:r>
-              <a:rPr lang="en-US" altLang="zh-CN" dirty="0" smtClean="0"/>
-              <a:t>lib</a:t>
-            </a:r>
-            <a:r>
-              <a:rPr lang="zh-CN" altLang="en-US" dirty="0" smtClean="0"/>
-              <a:t>文件对应的</a:t>
-            </a:r>
-            <a:r>
-              <a:rPr lang="en-US" altLang="zh-CN" dirty="0" err="1" smtClean="0"/>
-              <a:t>dll</a:t>
-            </a:r>
-            <a:r>
-              <a:rPr lang="zh-CN" altLang="en-US" dirty="0"/>
-              <a:t>文件拷贝到</a:t>
-            </a:r>
-            <a:r>
-              <a:rPr lang="en-US" altLang="zh-CN" dirty="0"/>
-              <a:t>exe</a:t>
-            </a:r>
-            <a:r>
-              <a:rPr lang="zh-CN" altLang="en-US" dirty="0"/>
-              <a:t>所在的目录</a:t>
-            </a:r>
-            <a:r>
-              <a:rPr lang="zh-CN" altLang="en-US" dirty="0" smtClean="0"/>
-              <a:t>下。</a:t>
-            </a:r>
-            <a:endParaRPr lang="en-US" altLang="zh-CN" dirty="0" smtClean="0"/>
-          </a:p>
-          <a:p>
-            <a:r>
-              <a:rPr lang="zh-CN" altLang="en-US" dirty="0" smtClean="0"/>
-              <a:t>调试</a:t>
-            </a:r>
-            <a:r>
-              <a:rPr lang="zh-CN" altLang="en-US" dirty="0" smtClean="0"/>
-              <a:t>：三个地方：</a:t>
-            </a:r>
-            <a:r>
-              <a:rPr lang="en-US" altLang="zh-CN" dirty="0" smtClean="0"/>
-              <a:t>1.</a:t>
-            </a:r>
-            <a:r>
-              <a:rPr lang="zh-CN" altLang="en-US" dirty="0" smtClean="0"/>
-              <a:t>项目</a:t>
-            </a:r>
-            <a:r>
-              <a:rPr lang="zh-CN" altLang="en-US" dirty="0" smtClean="0"/>
-              <a:t>右键</a:t>
-            </a:r>
-            <a:r>
-              <a:rPr lang="en-US" altLang="zh-CN" dirty="0" smtClean="0"/>
-              <a:t>-</a:t>
-            </a:r>
-            <a:r>
-              <a:rPr lang="zh-CN" altLang="en-US" dirty="0" smtClean="0"/>
-              <a:t>属性</a:t>
-            </a:r>
-            <a:r>
-              <a:rPr lang="en-US" altLang="zh-CN" dirty="0" smtClean="0"/>
-              <a:t>-c/</a:t>
-            </a:r>
-            <a:r>
-              <a:rPr lang="en-US" altLang="zh-CN" dirty="0" err="1" smtClean="0"/>
-              <a:t>c++</a:t>
-            </a:r>
-            <a:r>
-              <a:rPr lang="en-US" altLang="zh-CN" dirty="0" smtClean="0"/>
-              <a:t>-</a:t>
-            </a:r>
-            <a:r>
-              <a:rPr lang="zh-CN" altLang="en-US" dirty="0" smtClean="0"/>
-              <a:t>优化</a:t>
-            </a:r>
-            <a:r>
-              <a:rPr lang="en-US" altLang="zh-CN" dirty="0" smtClean="0"/>
-              <a:t>-</a:t>
-            </a:r>
-            <a:r>
-              <a:rPr lang="zh-CN" altLang="en-US" dirty="0" smtClean="0"/>
-              <a:t>优化，改为已禁用</a:t>
-            </a:r>
-            <a:r>
-              <a:rPr lang="zh-CN" altLang="en-US" dirty="0" smtClean="0"/>
-              <a:t>，</a:t>
-            </a:r>
-            <a:r>
-              <a:rPr lang="en-US" altLang="zh-CN" dirty="0" smtClean="0"/>
-              <a:t>2. </a:t>
-            </a:r>
-            <a:r>
-              <a:rPr lang="zh-CN" altLang="en-US" dirty="0" smtClean="0"/>
-              <a:t>链接器</a:t>
-            </a:r>
-            <a:r>
-              <a:rPr lang="en-US" altLang="zh-CN" dirty="0" smtClean="0"/>
-              <a:t>-</a:t>
-            </a:r>
-            <a:r>
-              <a:rPr lang="zh-CN" altLang="en-US" dirty="0" smtClean="0"/>
-              <a:t>调试</a:t>
-            </a:r>
-            <a:r>
-              <a:rPr lang="en-US" altLang="zh-CN" dirty="0" smtClean="0"/>
-              <a:t>-</a:t>
-            </a:r>
-            <a:r>
-              <a:rPr lang="zh-CN" altLang="en-US" dirty="0" smtClean="0"/>
-              <a:t>生成调试信息，改为优化以便于调试，</a:t>
-            </a:r>
-            <a:r>
-              <a:rPr lang="en-US" altLang="zh-CN" dirty="0" smtClean="0"/>
-              <a:t>3. c/</a:t>
-            </a:r>
-            <a:r>
-              <a:rPr lang="en-US" altLang="zh-CN" dirty="0" err="1" smtClean="0"/>
-              <a:t>c++</a:t>
-            </a:r>
-            <a:r>
-              <a:rPr lang="en-US" altLang="zh-CN" dirty="0" smtClean="0"/>
-              <a:t>-</a:t>
-            </a:r>
-            <a:r>
-              <a:rPr lang="zh-CN" altLang="en-US" dirty="0" smtClean="0"/>
-              <a:t>调试信息格式，改为程序数据库。重新</a:t>
-            </a:r>
-            <a:r>
-              <a:rPr lang="zh-CN" altLang="en-US" dirty="0" smtClean="0"/>
-              <a:t>生成，设置断点，</a:t>
-            </a:r>
-            <a:r>
-              <a:rPr lang="en-US" altLang="zh-CN" dirty="0" smtClean="0"/>
-              <a:t>F5</a:t>
-            </a:r>
-            <a:r>
-              <a:rPr lang="zh-CN" altLang="en-US" dirty="0" smtClean="0"/>
-              <a:t>即可调试，</a:t>
-            </a:r>
-            <a:r>
-              <a:rPr lang="en-US" altLang="zh-CN" dirty="0" smtClean="0"/>
-              <a:t>F10</a:t>
-            </a:r>
-            <a:r>
-              <a:rPr lang="zh-CN" altLang="en-US" dirty="0" smtClean="0"/>
-              <a:t>单步，</a:t>
-            </a:r>
-            <a:r>
-              <a:rPr lang="en-US" altLang="zh-CN" dirty="0" smtClean="0"/>
-              <a:t>F11</a:t>
-            </a:r>
-            <a:r>
-              <a:rPr lang="zh-CN" altLang="en-US" dirty="0" smtClean="0"/>
-              <a:t>单步进入子函数</a:t>
+              <a:t>cap &gt;&gt; </a:t>
+            </a:r>
+            <a:r>
+              <a:rPr lang="en-US" altLang="zh-CN" dirty="0" smtClean="0"/>
+              <a:t>I; ……} // </a:t>
+            </a:r>
+            <a:r>
+              <a:rPr lang="zh-CN" altLang="en-US" dirty="0" smtClean="0"/>
+              <a:t>操作每一帧</a:t>
             </a:r>
             <a:endParaRPr lang="zh-CN" altLang="en-US" dirty="0"/>
           </a:p>
@@ -4462,7 +4331,7 @@
     </p:spTree>
     <p:extLst>
       <p:ext uri="{BB962C8B-B14F-4D97-AF65-F5344CB8AC3E}">
-        <p14:creationId xmlns:p14="http://schemas.microsoft.com/office/powerpoint/2010/main" val="2080447439"/>
+        <p14:creationId xmlns:p14="http://schemas.microsoft.com/office/powerpoint/2010/main" val="4165626323"/>
       </p:ext>
     </p:extLst>
   </p:cSld>
@@ -4506,18 +4375,37 @@
             <p:ph type="title"/>
           </p:nvPr>
         </p:nvSpPr>
-        <p:spPr/>
-        <p:txBody>
-          <a:bodyPr/>
-          <a:lstStyle/>
-          <a:p>
-            <a:r>
-              <a:rPr lang="en-US" altLang="zh-CN" dirty="0" smtClean="0"/>
-              <a:t>Visual Studio</a:t>
-            </a:r>
-            <a:r>
-              <a:rPr lang="zh-CN" altLang="en-US" dirty="0" smtClean="0"/>
-              <a:t>程序调试</a:t>
+        <p:spPr>
+          <a:xfrm>
+            <a:off x="838200" y="365125"/>
+            <a:ext cx="10515600" cy="625475"/>
+          </a:xfrm>
+        </p:spPr>
+        <p:txBody>
+          <a:bodyPr>
+            <a:normAutofit fontScale="90000"/>
+          </a:bodyPr>
+          <a:lstStyle/>
+          <a:p>
+            <a:r>
+              <a:rPr lang="en-US" altLang="zh-CN" dirty="0" smtClean="0"/>
+              <a:t>Visual studio </a:t>
+            </a:r>
+            <a:r>
+              <a:rPr lang="en-US" altLang="zh-CN" dirty="0" smtClean="0"/>
+              <a:t>2015</a:t>
+            </a:r>
+            <a:r>
+              <a:rPr lang="zh-CN" altLang="en-US" dirty="0" smtClean="0"/>
+              <a:t>中</a:t>
+            </a:r>
+            <a:r>
+              <a:rPr lang="en-US" altLang="zh-CN" dirty="0" err="1" smtClean="0"/>
+              <a:t>opencv</a:t>
+            </a:r>
+            <a:r>
+              <a:rPr lang="zh-CN" altLang="en-US" dirty="0" smtClean="0"/>
+              <a:t>基本用法</a:t>
             </a:r>
             <a:endParaRPr lang="zh-CN" altLang="en-US" dirty="0"/>
           </a:p>
@@ -4533,26 +4421,759 @@
             <p:ph idx="1"/>
           </p:nvPr>
         </p:nvSpPr>
-        <p:spPr/>
-        <p:txBody>
-          <a:bodyPr/>
-          <a:lstStyle/>
-          <a:p>
-            <a:r>
-              <a:rPr lang="zh-CN" altLang="en-US" dirty="0" smtClean="0"/>
-              <a:t>调试是必备技能</a:t>
+        <p:spPr>
+          <a:xfrm>
+            <a:off x="838200" y="990600"/>
+            <a:ext cx="10515600" cy="5722815"/>
+          </a:xfrm>
+        </p:spPr>
+        <p:txBody>
+          <a:bodyPr>
+            <a:normAutofit fontScale="77500" lnSpcReduction="20000"/>
+          </a:bodyPr>
+          <a:lstStyle/>
+          <a:p>
+            <a:r>
+              <a:rPr lang="zh-CN" altLang="en-US" dirty="0" smtClean="0"/>
+              <a:t>新建</a:t>
+            </a:r>
+            <a:r>
+              <a:rPr lang="zh-CN" altLang="en-US" dirty="0" smtClean="0"/>
+              <a:t>项目</a:t>
             </a:r>
             <a:endParaRPr lang="en-US" altLang="zh-CN" dirty="0" smtClean="0"/>
           </a:p>
           <a:p>
-            <a:endParaRPr lang="zh-CN" altLang="en-US" dirty="0"/>
+            <a:pPr lvl="1"/>
+            <a:r>
+              <a:rPr lang="zh-CN" altLang="en-US" sz="1800" dirty="0" smtClean="0"/>
+              <a:t>菜单</a:t>
+            </a:r>
+            <a:r>
+              <a:rPr lang="en-US" altLang="zh-CN" sz="1800" dirty="0" smtClean="0"/>
+              <a:t>-</a:t>
+            </a:r>
+            <a:r>
+              <a:rPr lang="zh-CN" altLang="en-US" sz="1800" dirty="0" smtClean="0"/>
+              <a:t>文件</a:t>
+            </a:r>
+            <a:r>
+              <a:rPr lang="en-US" altLang="zh-CN" sz="1800" dirty="0" smtClean="0"/>
+              <a:t>-</a:t>
+            </a:r>
+            <a:r>
+              <a:rPr lang="zh-CN" altLang="en-US" sz="1800" dirty="0" smtClean="0"/>
+              <a:t>新建</a:t>
+            </a:r>
+            <a:r>
+              <a:rPr lang="en-US" altLang="zh-CN" sz="1800" dirty="0" smtClean="0"/>
+              <a:t>-</a:t>
+            </a:r>
+            <a:r>
+              <a:rPr lang="zh-CN" altLang="en-US" sz="1800" dirty="0" smtClean="0"/>
+              <a:t>项目，选择</a:t>
+            </a:r>
+            <a:r>
+              <a:rPr lang="en-US" altLang="zh-CN" sz="1800" dirty="0" smtClean="0"/>
+              <a:t>win32</a:t>
+            </a:r>
+            <a:r>
+              <a:rPr lang="zh-CN" altLang="en-US" sz="1800" dirty="0" smtClean="0"/>
+              <a:t>控制台应用程序，输入项目名字，确定，应用程序设置，勾选空项目，</a:t>
+            </a:r>
+            <a:r>
+              <a:rPr lang="zh-CN" altLang="en-US" sz="1800" dirty="0" smtClean="0"/>
+              <a:t>完成。</a:t>
+            </a:r>
+            <a:endParaRPr lang="en-US" altLang="zh-CN" sz="1800" dirty="0" smtClean="0"/>
+          </a:p>
+          <a:p>
+            <a:r>
+              <a:rPr lang="zh-CN" altLang="en-US" dirty="0" smtClean="0"/>
+              <a:t>新建</a:t>
+            </a:r>
+            <a:r>
+              <a:rPr lang="zh-CN" altLang="en-US" dirty="0" smtClean="0"/>
+              <a:t>源文件</a:t>
+            </a:r>
+            <a:endParaRPr lang="en-US" altLang="zh-CN" dirty="0" smtClean="0"/>
+          </a:p>
+          <a:p>
+            <a:pPr lvl="1"/>
+            <a:r>
+              <a:rPr lang="zh-CN" altLang="en-US" sz="1800" dirty="0" smtClean="0"/>
+              <a:t>解决方案资源管理器，项目上右键，添加</a:t>
+            </a:r>
+            <a:r>
+              <a:rPr lang="en-US" altLang="zh-CN" sz="1800" dirty="0" smtClean="0"/>
+              <a:t>-</a:t>
+            </a:r>
+            <a:r>
+              <a:rPr lang="zh-CN" altLang="en-US" sz="1800" dirty="0" smtClean="0"/>
+              <a:t>新建项</a:t>
+            </a:r>
+            <a:r>
+              <a:rPr lang="en-US" altLang="zh-CN" sz="1800" dirty="0" smtClean="0"/>
+              <a:t>-C++</a:t>
+            </a:r>
+            <a:r>
+              <a:rPr lang="zh-CN" altLang="en-US" sz="1800" dirty="0" smtClean="0"/>
+              <a:t>源文件，输入名字，确定</a:t>
+            </a:r>
+            <a:endParaRPr lang="en-US" altLang="zh-CN" sz="1800" dirty="0" smtClean="0"/>
+          </a:p>
+          <a:p>
+            <a:r>
+              <a:rPr lang="zh-CN" altLang="en-US" dirty="0" smtClean="0"/>
+              <a:t>修改配置</a:t>
+            </a:r>
+            <a:endParaRPr lang="en-US" altLang="zh-CN" dirty="0" smtClean="0"/>
+          </a:p>
+          <a:p>
+            <a:pPr lvl="1"/>
+            <a:r>
+              <a:rPr lang="zh-CN" altLang="en-US" sz="1900" dirty="0"/>
+              <a:t>解决方案上右键</a:t>
+            </a:r>
+            <a:r>
+              <a:rPr lang="en-US" altLang="zh-CN" sz="1900" dirty="0"/>
+              <a:t>-</a:t>
+            </a:r>
+            <a:r>
+              <a:rPr lang="zh-CN" altLang="en-US" sz="1900" dirty="0"/>
+              <a:t>配置管理器，或菜单</a:t>
+            </a:r>
+            <a:r>
+              <a:rPr lang="en-US" altLang="zh-CN" sz="1900" dirty="0"/>
+              <a:t>-</a:t>
+            </a:r>
+            <a:r>
+              <a:rPr lang="zh-CN" altLang="en-US" sz="1900" dirty="0"/>
+              <a:t>生成</a:t>
+            </a:r>
+            <a:r>
+              <a:rPr lang="en-US" altLang="zh-CN" sz="1900" dirty="0"/>
+              <a:t>-</a:t>
+            </a:r>
+            <a:r>
+              <a:rPr lang="zh-CN" altLang="en-US" sz="1900" dirty="0"/>
+              <a:t>配置管理器，活动解决方案平台，</a:t>
+            </a:r>
+            <a:r>
+              <a:rPr lang="en-US" altLang="zh-CN" sz="1900" dirty="0"/>
+              <a:t>win32</a:t>
+            </a:r>
+            <a:r>
+              <a:rPr lang="zh-CN" altLang="en-US" sz="1900" dirty="0"/>
+              <a:t>或</a:t>
+            </a:r>
+            <a:r>
+              <a:rPr lang="en-US" altLang="zh-CN" sz="1900" dirty="0"/>
+              <a:t>x64</a:t>
+            </a:r>
+            <a:r>
+              <a:rPr lang="zh-CN" altLang="en-US" sz="1900" dirty="0"/>
+              <a:t>均可，活动方案配置</a:t>
+            </a:r>
+            <a:r>
+              <a:rPr lang="zh-CN" altLang="en-US" sz="1900" dirty="0" smtClean="0"/>
+              <a:t>，建议配置为 </a:t>
+            </a:r>
+            <a:r>
+              <a:rPr lang="en-US" altLang="zh-CN" sz="1900" dirty="0" smtClean="0"/>
+              <a:t>x64 Release</a:t>
+            </a:r>
+            <a:endParaRPr lang="en-US" altLang="zh-CN" sz="1900" dirty="0"/>
+          </a:p>
+          <a:p>
+            <a:r>
+              <a:rPr lang="zh-CN" altLang="en-US" dirty="0" smtClean="0"/>
+              <a:t>添加</a:t>
+            </a:r>
+            <a:r>
+              <a:rPr lang="zh-CN" altLang="en-US" dirty="0" smtClean="0"/>
+              <a:t>包含目录（头文件目录</a:t>
+            </a:r>
+            <a:r>
+              <a:rPr lang="zh-CN" altLang="en-US" dirty="0" smtClean="0"/>
+              <a:t>）</a:t>
+            </a:r>
+            <a:endParaRPr lang="en-US" altLang="zh-CN" dirty="0" smtClean="0"/>
+          </a:p>
+          <a:p>
+            <a:pPr lvl="1"/>
+            <a:r>
+              <a:rPr lang="zh-CN" altLang="en-US" sz="1900" dirty="0"/>
+              <a:t>项目右键</a:t>
+            </a:r>
+            <a:r>
+              <a:rPr lang="en-US" altLang="zh-CN" sz="1900" dirty="0"/>
+              <a:t>-</a:t>
+            </a:r>
+            <a:r>
+              <a:rPr lang="zh-CN" altLang="en-US" sz="1900" dirty="0"/>
+              <a:t>属性</a:t>
+            </a:r>
+            <a:r>
+              <a:rPr lang="en-US" altLang="zh-CN" sz="1900" dirty="0"/>
+              <a:t>-c/</a:t>
+            </a:r>
+            <a:r>
+              <a:rPr lang="en-US" altLang="zh-CN" sz="1900" dirty="0" err="1"/>
+              <a:t>c++</a:t>
+            </a:r>
+            <a:r>
+              <a:rPr lang="en-US" altLang="zh-CN" sz="1900" dirty="0"/>
+              <a:t>-</a:t>
+            </a:r>
+            <a:r>
+              <a:rPr lang="zh-CN" altLang="en-US" sz="1900" dirty="0"/>
+              <a:t>常规</a:t>
+            </a:r>
+            <a:r>
+              <a:rPr lang="en-US" altLang="zh-CN" sz="1900" dirty="0"/>
+              <a:t>-</a:t>
+            </a:r>
+            <a:r>
+              <a:rPr lang="zh-CN" altLang="en-US" sz="1900" dirty="0"/>
+              <a:t>附加包含目录</a:t>
+            </a:r>
+            <a:r>
+              <a:rPr lang="en-US" altLang="zh-CN" sz="1900" dirty="0"/>
+              <a:t>-</a:t>
+            </a:r>
+            <a:r>
+              <a:rPr lang="zh-CN" altLang="en-US" sz="1900" dirty="0"/>
+              <a:t>向下箭头</a:t>
+            </a:r>
+            <a:r>
+              <a:rPr lang="en-US" altLang="zh-CN" sz="1900" dirty="0"/>
+              <a:t>-</a:t>
+            </a:r>
+            <a:r>
+              <a:rPr lang="zh-CN" altLang="en-US" sz="1900" dirty="0"/>
+              <a:t>编辑，输入头文件所在路径，一般是</a:t>
+            </a:r>
+            <a:r>
+              <a:rPr lang="en-US" altLang="zh-CN" sz="1900" dirty="0" err="1"/>
+              <a:t>opencv</a:t>
+            </a:r>
+            <a:r>
+              <a:rPr lang="en-US" altLang="zh-CN" sz="1900" dirty="0"/>
+              <a:t>\build\include</a:t>
+            </a:r>
+            <a:r>
+              <a:rPr lang="zh-CN" altLang="en-US" sz="1900" dirty="0"/>
+              <a:t>目录。</a:t>
+            </a:r>
+            <a:endParaRPr lang="en-US" altLang="zh-CN" sz="1900" dirty="0"/>
+          </a:p>
+          <a:p>
+            <a:r>
+              <a:rPr lang="zh-CN" altLang="en-US" dirty="0" smtClean="0"/>
+              <a:t>添加依赖</a:t>
+            </a:r>
+            <a:r>
+              <a:rPr lang="zh-CN" altLang="en-US" dirty="0" smtClean="0"/>
+              <a:t>库</a:t>
+            </a:r>
+            <a:endParaRPr lang="en-US" altLang="zh-CN" dirty="0" smtClean="0"/>
+          </a:p>
+          <a:p>
+            <a:pPr lvl="1"/>
+            <a:r>
+              <a:rPr lang="zh-CN" altLang="en-US" sz="1900" dirty="0"/>
+              <a:t>项目</a:t>
+            </a:r>
+            <a:r>
+              <a:rPr lang="zh-CN" altLang="en-US" sz="1900" dirty="0"/>
+              <a:t>右键</a:t>
+            </a:r>
+            <a:r>
+              <a:rPr lang="en-US" altLang="zh-CN" sz="1900" dirty="0"/>
+              <a:t>-</a:t>
+            </a:r>
+            <a:r>
+              <a:rPr lang="zh-CN" altLang="en-US" sz="1900" dirty="0"/>
+              <a:t>属性</a:t>
+            </a:r>
+            <a:r>
+              <a:rPr lang="en-US" altLang="zh-CN" sz="1900" dirty="0"/>
+              <a:t>-</a:t>
+            </a:r>
+            <a:r>
+              <a:rPr lang="zh-CN" altLang="en-US" sz="1900" dirty="0"/>
+              <a:t>链接器</a:t>
+            </a:r>
+            <a:r>
+              <a:rPr lang="en-US" altLang="zh-CN" sz="1900" dirty="0"/>
+              <a:t>-</a:t>
+            </a:r>
+            <a:r>
+              <a:rPr lang="zh-CN" altLang="en-US" sz="1900" dirty="0"/>
+              <a:t>输入</a:t>
+            </a:r>
+            <a:r>
+              <a:rPr lang="en-US" altLang="zh-CN" sz="1900" dirty="0"/>
+              <a:t>-</a:t>
+            </a:r>
+            <a:r>
+              <a:rPr lang="zh-CN" altLang="en-US" sz="1900" dirty="0"/>
+              <a:t>附加依赖项</a:t>
+            </a:r>
+            <a:r>
+              <a:rPr lang="zh-CN" altLang="en-US" sz="1900" dirty="0" smtClean="0"/>
+              <a:t>，如果是</a:t>
+            </a:r>
+            <a:r>
+              <a:rPr lang="en-US" altLang="zh-CN" sz="1900" dirty="0" smtClean="0"/>
+              <a:t>2.x</a:t>
+            </a:r>
+            <a:r>
+              <a:rPr lang="zh-CN" altLang="en-US" sz="1900" dirty="0" smtClean="0"/>
+              <a:t>版本，最常需要的有三个库，</a:t>
+            </a:r>
+            <a:r>
+              <a:rPr lang="en-US" altLang="zh-CN" sz="1900" dirty="0" smtClean="0"/>
+              <a:t>opencv_corexxx.lib</a:t>
+            </a:r>
+            <a:r>
+              <a:rPr lang="en-US" altLang="zh-CN" sz="1900" dirty="0"/>
+              <a:t>, opencv_imgprocxxx.lib, opencv_highguixxx.lib</a:t>
+            </a:r>
+            <a:r>
+              <a:rPr lang="zh-CN" altLang="en-US" sz="1900" dirty="0"/>
+              <a:t>，</a:t>
+            </a:r>
+            <a:r>
+              <a:rPr lang="en-US" altLang="zh-CN" sz="1900" dirty="0"/>
+              <a:t>xxx</a:t>
+            </a:r>
+            <a:r>
+              <a:rPr lang="zh-CN" altLang="en-US" sz="1900" dirty="0"/>
+              <a:t>表示版本号，如果是</a:t>
+            </a:r>
+            <a:r>
+              <a:rPr lang="en-US" altLang="zh-CN" sz="1900" dirty="0"/>
+              <a:t>debug</a:t>
+            </a:r>
+            <a:r>
+              <a:rPr lang="zh-CN" altLang="en-US" sz="1900" dirty="0"/>
+              <a:t>，</a:t>
+            </a:r>
+            <a:r>
+              <a:rPr lang="en-US" altLang="zh-CN" sz="1900" dirty="0"/>
+              <a:t>lib</a:t>
+            </a:r>
+            <a:r>
+              <a:rPr lang="zh-CN" altLang="en-US" sz="1900" dirty="0"/>
+              <a:t>文件名最后带</a:t>
+            </a:r>
+            <a:r>
+              <a:rPr lang="en-US" altLang="zh-CN" sz="1900" dirty="0" smtClean="0"/>
+              <a:t>d</a:t>
+            </a:r>
+            <a:r>
+              <a:rPr lang="zh-CN" altLang="en-US" sz="1900" dirty="0" smtClean="0"/>
+              <a:t>。如果是</a:t>
+            </a:r>
+            <a:r>
+              <a:rPr lang="en-US" altLang="zh-CN" sz="1900" dirty="0" smtClean="0"/>
+              <a:t>3.x</a:t>
+            </a:r>
+            <a:r>
+              <a:rPr lang="zh-CN" altLang="en-US" sz="1900" dirty="0" smtClean="0"/>
+              <a:t>版本，可以用一个库，</a:t>
+            </a:r>
+            <a:r>
+              <a:rPr lang="en-US" altLang="zh-CN" sz="1900" dirty="0" smtClean="0"/>
+              <a:t>opencv_world320.lib</a:t>
+            </a:r>
+            <a:r>
+              <a:rPr lang="zh-CN" altLang="en-US" sz="1900" dirty="0" smtClean="0"/>
+              <a:t>即可。</a:t>
+            </a:r>
+            <a:endParaRPr lang="en-US" altLang="zh-CN" sz="1900" dirty="0"/>
+          </a:p>
+          <a:p>
+            <a:r>
+              <a:rPr lang="zh-CN" altLang="en-US" dirty="0" smtClean="0"/>
+              <a:t>添加依赖库</a:t>
+            </a:r>
+            <a:r>
+              <a:rPr lang="zh-CN" altLang="en-US" dirty="0" smtClean="0"/>
+              <a:t>目录</a:t>
+            </a:r>
+            <a:endParaRPr lang="en-US" altLang="zh-CN" dirty="0" smtClean="0"/>
+          </a:p>
+          <a:p>
+            <a:pPr lvl="1"/>
+            <a:r>
+              <a:rPr lang="zh-CN" altLang="en-US" sz="1900" dirty="0"/>
+              <a:t>项目</a:t>
+            </a:r>
+            <a:r>
+              <a:rPr lang="zh-CN" altLang="en-US" sz="1900" dirty="0"/>
+              <a:t>右键</a:t>
+            </a:r>
+            <a:r>
+              <a:rPr lang="en-US" altLang="zh-CN" sz="1900" dirty="0"/>
+              <a:t>-</a:t>
+            </a:r>
+            <a:r>
+              <a:rPr lang="zh-CN" altLang="en-US" sz="1900" dirty="0"/>
+              <a:t>属性</a:t>
+            </a:r>
+            <a:r>
+              <a:rPr lang="en-US" altLang="zh-CN" sz="1900" dirty="0"/>
+              <a:t>-</a:t>
+            </a:r>
+            <a:r>
+              <a:rPr lang="zh-CN" altLang="en-US" sz="1900" dirty="0"/>
+              <a:t>链接器</a:t>
+            </a:r>
+            <a:r>
+              <a:rPr lang="en-US" altLang="zh-CN" sz="1900" dirty="0"/>
+              <a:t>-</a:t>
+            </a:r>
+            <a:r>
+              <a:rPr lang="zh-CN" altLang="en-US" sz="1900" dirty="0"/>
+              <a:t>常规</a:t>
+            </a:r>
+            <a:r>
+              <a:rPr lang="en-US" altLang="zh-CN" sz="1900" dirty="0"/>
+              <a:t>-</a:t>
+            </a:r>
+            <a:r>
+              <a:rPr lang="zh-CN" altLang="en-US" sz="1900" dirty="0"/>
+              <a:t>附加库目录，添加</a:t>
+            </a:r>
+            <a:r>
+              <a:rPr lang="en-US" altLang="zh-CN" sz="1900" dirty="0"/>
+              <a:t>lib</a:t>
+            </a:r>
+            <a:r>
+              <a:rPr lang="zh-CN" altLang="en-US" sz="1900" dirty="0"/>
+              <a:t>文件所在</a:t>
+            </a:r>
+            <a:r>
+              <a:rPr lang="zh-CN" altLang="en-US" sz="1900" dirty="0" smtClean="0"/>
+              <a:t>目录，一般是 </a:t>
+            </a:r>
+            <a:r>
+              <a:rPr lang="en-US" altLang="zh-CN" sz="1900" dirty="0" smtClean="0"/>
+              <a:t>opencv3.2\build\x64\vc14\lib</a:t>
+            </a:r>
+            <a:r>
+              <a:rPr lang="zh-CN" altLang="en-US" sz="1900" dirty="0" smtClean="0"/>
+              <a:t>。</a:t>
+            </a:r>
+            <a:endParaRPr lang="en-US" altLang="zh-CN" sz="1900" dirty="0"/>
+          </a:p>
+          <a:p>
+            <a:r>
+              <a:rPr lang="zh-CN" altLang="en-US" dirty="0" smtClean="0"/>
+              <a:t>现在可以</a:t>
+            </a:r>
+            <a:r>
+              <a:rPr lang="en-US" altLang="zh-CN" dirty="0" smtClean="0"/>
+              <a:t>Ctrl+F5</a:t>
+            </a:r>
+            <a:r>
+              <a:rPr lang="zh-CN" altLang="en-US" dirty="0" smtClean="0"/>
+              <a:t>编译</a:t>
+            </a:r>
+            <a:r>
+              <a:rPr lang="zh-CN" altLang="en-US" dirty="0" smtClean="0"/>
+              <a:t>运行</a:t>
+            </a:r>
+            <a:endParaRPr lang="en-US" altLang="zh-CN" dirty="0" smtClean="0"/>
+          </a:p>
+          <a:p>
+            <a:pPr lvl="1"/>
+            <a:r>
+              <a:rPr lang="zh-CN" altLang="en-US" sz="1900" dirty="0"/>
+              <a:t>如果运行时提示找不到</a:t>
+            </a:r>
+            <a:r>
+              <a:rPr lang="en-US" altLang="zh-CN" sz="1900" dirty="0" err="1"/>
+              <a:t>dll</a:t>
+            </a:r>
+            <a:r>
+              <a:rPr lang="zh-CN" altLang="en-US" sz="1900" dirty="0"/>
+              <a:t>，则要</a:t>
+            </a:r>
+            <a:r>
+              <a:rPr lang="zh-CN" altLang="en-US" sz="1900" dirty="0"/>
+              <a:t>添加环境变</a:t>
+            </a:r>
+            <a:r>
+              <a:rPr lang="zh-CN" altLang="en-US" sz="1900" dirty="0"/>
+              <a:t>量（计算机</a:t>
+            </a:r>
+            <a:r>
+              <a:rPr lang="en-US" altLang="zh-CN" sz="1900" dirty="0"/>
+              <a:t>-</a:t>
+            </a:r>
+            <a:r>
+              <a:rPr lang="zh-CN" altLang="en-US" sz="1900" dirty="0"/>
+              <a:t>右键属性</a:t>
+            </a:r>
+            <a:r>
+              <a:rPr lang="en-US" altLang="zh-CN" sz="1900" dirty="0"/>
+              <a:t>-</a:t>
+            </a:r>
+            <a:r>
+              <a:rPr lang="zh-CN" altLang="en-US" sz="1900" dirty="0"/>
+              <a:t>高级系统设置</a:t>
+            </a:r>
+            <a:r>
+              <a:rPr lang="en-US" altLang="zh-CN" sz="1900" dirty="0"/>
+              <a:t>-</a:t>
+            </a:r>
+            <a:r>
+              <a:rPr lang="zh-CN" altLang="en-US" sz="1900" dirty="0"/>
+              <a:t>高级</a:t>
+            </a:r>
+            <a:r>
+              <a:rPr lang="en-US" altLang="zh-CN" sz="1900" dirty="0"/>
+              <a:t>-</a:t>
+            </a:r>
+            <a:r>
+              <a:rPr lang="zh-CN" altLang="en-US" sz="1900" dirty="0"/>
+              <a:t>环境变量</a:t>
+            </a:r>
+            <a:r>
+              <a:rPr lang="en-US" altLang="zh-CN" sz="1900" dirty="0"/>
+              <a:t>-</a:t>
+            </a:r>
+            <a:r>
+              <a:rPr lang="zh-CN" altLang="en-US" sz="1900" dirty="0"/>
+              <a:t>在</a:t>
+            </a:r>
+            <a:r>
+              <a:rPr lang="en-US" altLang="zh-CN" sz="1900" dirty="0"/>
+              <a:t>Path</a:t>
+            </a:r>
+            <a:r>
+              <a:rPr lang="zh-CN" altLang="en-US" sz="1900" dirty="0"/>
+              <a:t>中增加</a:t>
+            </a:r>
+            <a:r>
+              <a:rPr lang="en-US" altLang="zh-CN" sz="1900" dirty="0" err="1"/>
+              <a:t>dll</a:t>
+            </a:r>
+            <a:r>
+              <a:rPr lang="zh-CN" altLang="en-US" sz="1900" dirty="0"/>
+              <a:t>所在目录），</a:t>
+            </a:r>
+            <a:r>
+              <a:rPr lang="zh-CN" altLang="en-US" sz="1900" dirty="0"/>
+              <a:t>或把</a:t>
+            </a:r>
+            <a:r>
+              <a:rPr lang="en-US" altLang="zh-CN" sz="1900" dirty="0" err="1"/>
+              <a:t>opencv</a:t>
+            </a:r>
+            <a:r>
+              <a:rPr lang="zh-CN" altLang="en-US" sz="1900" dirty="0"/>
+              <a:t>的上述</a:t>
+            </a:r>
+            <a:r>
+              <a:rPr lang="en-US" altLang="zh-CN" sz="1900" dirty="0"/>
+              <a:t>lib</a:t>
+            </a:r>
+            <a:r>
+              <a:rPr lang="zh-CN" altLang="en-US" sz="1900" dirty="0"/>
+              <a:t>文件对应的</a:t>
+            </a:r>
+            <a:r>
+              <a:rPr lang="en-US" altLang="zh-CN" sz="1900" dirty="0" err="1"/>
+              <a:t>dll</a:t>
+            </a:r>
+            <a:r>
+              <a:rPr lang="zh-CN" altLang="en-US" sz="1900" dirty="0"/>
+              <a:t>文件拷贝</a:t>
+            </a:r>
+            <a:r>
+              <a:rPr lang="zh-CN" altLang="en-US" sz="1900" dirty="0" smtClean="0"/>
+              <a:t>到编译生成的</a:t>
+            </a:r>
+            <a:r>
+              <a:rPr lang="en-US" altLang="zh-CN" sz="1900" dirty="0" smtClean="0"/>
+              <a:t>exe</a:t>
+            </a:r>
+            <a:r>
+              <a:rPr lang="zh-CN" altLang="en-US" sz="1900" dirty="0"/>
+              <a:t>所在的目录</a:t>
+            </a:r>
+            <a:r>
+              <a:rPr lang="zh-CN" altLang="en-US" sz="1900" dirty="0"/>
+              <a:t>下。</a:t>
+            </a:r>
+            <a:endParaRPr lang="en-US" altLang="zh-CN" sz="1900" dirty="0"/>
+          </a:p>
+          <a:p>
+            <a:r>
+              <a:rPr lang="zh-CN" altLang="en-US" dirty="0" smtClean="0"/>
+              <a:t>调试</a:t>
+            </a:r>
+            <a:endParaRPr lang="en-US" altLang="zh-CN" dirty="0" smtClean="0"/>
+          </a:p>
+          <a:p>
+            <a:pPr lvl="1"/>
+            <a:r>
+              <a:rPr lang="zh-CN" altLang="en-US" sz="1700" dirty="0" smtClean="0"/>
+              <a:t>一般</a:t>
+            </a:r>
+            <a:r>
+              <a:rPr lang="en-US" altLang="zh-CN" sz="1700" dirty="0" smtClean="0"/>
+              <a:t>Release</a:t>
+            </a:r>
+            <a:r>
+              <a:rPr lang="zh-CN" altLang="en-US" sz="1700" dirty="0" smtClean="0"/>
+              <a:t>用来运行，</a:t>
+            </a:r>
+            <a:r>
+              <a:rPr lang="en-US" altLang="zh-CN" sz="1700" dirty="0" smtClean="0"/>
+              <a:t>Debug</a:t>
+            </a:r>
+            <a:r>
+              <a:rPr lang="zh-CN" altLang="en-US" sz="1700" dirty="0" smtClean="0"/>
+              <a:t>用来调试。但我一般建议都用</a:t>
+            </a:r>
+            <a:r>
+              <a:rPr lang="en-US" altLang="zh-CN" sz="1700" dirty="0" smtClean="0"/>
+              <a:t>Release</a:t>
+            </a:r>
+            <a:r>
+              <a:rPr lang="zh-CN" altLang="en-US" sz="1700" dirty="0" smtClean="0"/>
+              <a:t>。</a:t>
+            </a:r>
+            <a:r>
+              <a:rPr lang="en-US" altLang="zh-CN" sz="1700" dirty="0" smtClean="0"/>
+              <a:t>Release</a:t>
+            </a:r>
+            <a:r>
+              <a:rPr lang="zh-CN" altLang="en-US" sz="1700" dirty="0" smtClean="0"/>
+              <a:t>版本调试需要设置三</a:t>
+            </a:r>
+            <a:r>
+              <a:rPr lang="zh-CN" altLang="en-US" sz="1700" dirty="0"/>
+              <a:t>个地方：</a:t>
+            </a:r>
+            <a:r>
+              <a:rPr lang="en-US" altLang="zh-CN" sz="1700" dirty="0"/>
+              <a:t>1.</a:t>
+            </a:r>
+            <a:r>
+              <a:rPr lang="zh-CN" altLang="en-US" sz="1700" dirty="0"/>
+              <a:t>项目右键</a:t>
+            </a:r>
+            <a:r>
+              <a:rPr lang="en-US" altLang="zh-CN" sz="1700" dirty="0"/>
+              <a:t>-</a:t>
+            </a:r>
+            <a:r>
+              <a:rPr lang="zh-CN" altLang="en-US" sz="1700" dirty="0"/>
+              <a:t>属性</a:t>
+            </a:r>
+            <a:r>
+              <a:rPr lang="en-US" altLang="zh-CN" sz="1700" dirty="0"/>
+              <a:t>-c/</a:t>
+            </a:r>
+            <a:r>
+              <a:rPr lang="en-US" altLang="zh-CN" sz="1700" dirty="0" err="1"/>
+              <a:t>c++</a:t>
+            </a:r>
+            <a:r>
+              <a:rPr lang="en-US" altLang="zh-CN" sz="1700" dirty="0"/>
+              <a:t>-</a:t>
+            </a:r>
+            <a:r>
+              <a:rPr lang="zh-CN" altLang="en-US" sz="1700" dirty="0"/>
+              <a:t>优化</a:t>
+            </a:r>
+            <a:r>
+              <a:rPr lang="en-US" altLang="zh-CN" sz="1700" dirty="0"/>
+              <a:t>-</a:t>
+            </a:r>
+            <a:r>
+              <a:rPr lang="zh-CN" altLang="en-US" sz="1700" dirty="0"/>
+              <a:t>优化，改为已禁用，</a:t>
+            </a:r>
+            <a:r>
+              <a:rPr lang="en-US" altLang="zh-CN" sz="1700" dirty="0"/>
+              <a:t>2. </a:t>
+            </a:r>
+            <a:r>
+              <a:rPr lang="zh-CN" altLang="en-US" sz="1700" dirty="0"/>
+              <a:t>链接器</a:t>
+            </a:r>
+            <a:r>
+              <a:rPr lang="en-US" altLang="zh-CN" sz="1700" dirty="0"/>
+              <a:t>-</a:t>
+            </a:r>
+            <a:r>
+              <a:rPr lang="zh-CN" altLang="en-US" sz="1700" dirty="0"/>
+              <a:t>调试</a:t>
+            </a:r>
+            <a:r>
+              <a:rPr lang="en-US" altLang="zh-CN" sz="1700" dirty="0"/>
+              <a:t>-</a:t>
+            </a:r>
+            <a:r>
+              <a:rPr lang="zh-CN" altLang="en-US" sz="1700" dirty="0"/>
+              <a:t>生成调试信息，改为优化以便于调试，</a:t>
+            </a:r>
+            <a:r>
+              <a:rPr lang="en-US" altLang="zh-CN" sz="1700" dirty="0"/>
+              <a:t>3. c/</a:t>
+            </a:r>
+            <a:r>
+              <a:rPr lang="en-US" altLang="zh-CN" sz="1700" dirty="0" err="1"/>
+              <a:t>c++</a:t>
+            </a:r>
+            <a:r>
+              <a:rPr lang="en-US" altLang="zh-CN" sz="1700" dirty="0"/>
+              <a:t>-</a:t>
+            </a:r>
+            <a:r>
+              <a:rPr lang="zh-CN" altLang="en-US" sz="1700" dirty="0"/>
+              <a:t>调试信息格式，改为程序数据库。重新生成，设置断点，</a:t>
+            </a:r>
+            <a:r>
+              <a:rPr lang="en-US" altLang="zh-CN" sz="1700" dirty="0"/>
+              <a:t>F5</a:t>
+            </a:r>
+            <a:r>
+              <a:rPr lang="zh-CN" altLang="en-US" sz="1700" dirty="0"/>
+              <a:t>即可调试，</a:t>
+            </a:r>
+            <a:r>
+              <a:rPr lang="en-US" altLang="zh-CN" sz="1700" dirty="0"/>
+              <a:t>F10</a:t>
+            </a:r>
+            <a:r>
+              <a:rPr lang="zh-CN" altLang="en-US" sz="1700" dirty="0"/>
+              <a:t>单步，</a:t>
+            </a:r>
+            <a:r>
+              <a:rPr lang="en-US" altLang="zh-CN" sz="1700" dirty="0"/>
+              <a:t>F11</a:t>
+            </a:r>
+            <a:r>
+              <a:rPr lang="zh-CN" altLang="en-US" sz="1700" dirty="0"/>
+              <a:t>单步进入子函数</a:t>
+            </a:r>
+            <a:endParaRPr lang="zh-CN" altLang="en-US" sz="1700" dirty="0"/>
           </a:p>
         </p:txBody>
       </p:sp>
     </p:spTree>
     <p:extLst>
       <p:ext uri="{BB962C8B-B14F-4D97-AF65-F5344CB8AC3E}">
-        <p14:creationId xmlns:p14="http://schemas.microsoft.com/office/powerpoint/2010/main" val="1154792672"/>
+        <p14:creationId xmlns:p14="http://schemas.microsoft.com/office/powerpoint/2010/main" val="2080447439"/>
       </p:ext>
     </p:extLst>
   </p:cSld>
@@ -4602,8 +5223,12 @@
           <a:lstStyle/>
           <a:p>
             <a:r>
-              <a:rPr lang="zh-CN" altLang="en-US" dirty="0" smtClean="0"/>
-              <a:t>练习</a:t>
+              <a:rPr lang="en-US" altLang="zh-CN" dirty="0" smtClean="0"/>
+              <a:t>Visual Studio</a:t>
+            </a:r>
+            <a:r>
+              <a:rPr lang="zh-CN" altLang="en-US" dirty="0" smtClean="0"/>
+              <a:t>程序调试</a:t>
             </a:r>
             <a:endParaRPr lang="zh-CN" altLang="en-US" dirty="0"/>
           </a:p>
@@ -4626,29 +5251,11 @@
           <a:p>
             <a:r>
               <a:rPr lang="zh-CN" altLang="en-US" dirty="0" smtClean="0"/>
-              <a:t>打开一副图像，显示</a:t>
+              <a:t>调试是必备技能</a:t>
             </a:r>
             <a:endParaRPr lang="en-US" altLang="zh-CN" dirty="0" smtClean="0"/>
           </a:p>
           <a:p>
-            <a:r>
-              <a:rPr lang="zh-CN" altLang="en-US" dirty="0" smtClean="0"/>
-              <a:t>打开一副图像，对指定区域进行修改</a:t>
-            </a:r>
-            <a:endParaRPr lang="en-US" altLang="zh-CN" dirty="0" smtClean="0"/>
-          </a:p>
-          <a:p>
-            <a:r>
-              <a:rPr lang="zh-CN" altLang="en-US" dirty="0" smtClean="0"/>
-              <a:t>图像缩放</a:t>
-            </a:r>
-            <a:endParaRPr lang="en-US" altLang="zh-CN" dirty="0" smtClean="0"/>
-          </a:p>
-          <a:p>
-            <a:r>
-              <a:rPr lang="zh-CN" altLang="en-US" dirty="0" smtClean="0"/>
-              <a:t>图像旋转</a:t>
-            </a:r>
             <a:endParaRPr lang="zh-CN" altLang="en-US" dirty="0"/>
           </a:p>
         </p:txBody>
@@ -4656,7 +5263,7 @@
     </p:spTree>
     <p:extLst>
       <p:ext uri="{BB962C8B-B14F-4D97-AF65-F5344CB8AC3E}">
-        <p14:creationId xmlns:p14="http://schemas.microsoft.com/office/powerpoint/2010/main" val="2697673192"/>
+        <p14:creationId xmlns:p14="http://schemas.microsoft.com/office/powerpoint/2010/main" val="1154792672"/>
       </p:ext>
     </p:extLst>
   </p:cSld>
@@ -4707,7 +5314,7 @@
           <a:p>
             <a:r>
               <a:rPr lang="zh-CN" altLang="en-US" dirty="0" smtClean="0"/>
-              <a:t>参考资源</a:t>
+              <a:t>练习</a:t>
             </a:r>
             <a:endParaRPr lang="zh-CN" altLang="en-US" dirty="0"/>
           </a:p>
@@ -4729,98 +5336,29 @@
           <a:lstStyle/>
           <a:p>
             <a:r>
-              <a:rPr lang="en-US" altLang="zh-CN" dirty="0"/>
-              <a:t>OpenCV3</a:t>
-            </a:r>
-            <a:r>
-              <a:rPr lang="zh-CN" altLang="en-US" dirty="0"/>
-              <a:t>编程入门</a:t>
-            </a:r>
-            <a:r>
-              <a:rPr lang="en-US" altLang="zh-CN" dirty="0"/>
-              <a:t>_</a:t>
-            </a:r>
-            <a:r>
-              <a:rPr lang="zh-CN" altLang="en-US" dirty="0"/>
-              <a:t>毛星云编著</a:t>
-            </a:r>
-            <a:r>
-              <a:rPr lang="en-US" altLang="zh-CN" dirty="0"/>
-              <a:t>_</a:t>
-            </a:r>
-            <a:r>
-              <a:rPr lang="zh-CN" altLang="en-US" dirty="0"/>
-              <a:t>电子工业出版</a:t>
-            </a:r>
-            <a:r>
-              <a:rPr lang="en-US" altLang="zh-CN" dirty="0"/>
-              <a:t>.</a:t>
-            </a:r>
-            <a:r>
-              <a:rPr lang="en-US" altLang="zh-CN" dirty="0" smtClean="0"/>
-              <a:t>pdf</a:t>
-            </a:r>
-          </a:p>
-          <a:p>
-            <a:pPr lvl="1"/>
-            <a:r>
-              <a:rPr lang="zh-CN" altLang="en-US" dirty="0" smtClean="0"/>
-              <a:t>有电子书，源代码下载，在作者博客 </a:t>
-            </a:r>
-            <a:r>
-              <a:rPr lang="en-US" altLang="zh-CN" dirty="0">
-                <a:hlinkClick r:id="rId2"/>
-              </a:rPr>
-              <a:t>http://</a:t>
-            </a:r>
-            <a:r>
-              <a:rPr lang="en-US" altLang="zh-CN" dirty="0" smtClean="0">
-                <a:hlinkClick r:id="rId2"/>
-              </a:rPr>
-              <a:t>blog.csdn.net/poem_qianmo</a:t>
+              <a:rPr lang="zh-CN" altLang="en-US" dirty="0" smtClean="0"/>
+              <a:t>打开一副图像，显示</a:t>
             </a:r>
             <a:endParaRPr lang="en-US" altLang="zh-CN" dirty="0" smtClean="0"/>
           </a:p>
           <a:p>
-            <a:pPr lvl="1"/>
-            <a:r>
-              <a:rPr lang="zh-CN" altLang="en-US" dirty="0" smtClean="0"/>
-              <a:t>或在</a:t>
-            </a:r>
-            <a:r>
-              <a:rPr lang="en-US" altLang="zh-CN" dirty="0" err="1" smtClean="0"/>
-              <a:t>github</a:t>
-            </a:r>
-            <a:r>
-              <a:rPr lang="zh-CN" altLang="en-US" dirty="0" smtClean="0"/>
-              <a:t>上搜索 </a:t>
-            </a:r>
-            <a:r>
-              <a:rPr lang="en-US" altLang="zh-CN" smtClean="0"/>
-              <a:t>opencv3</a:t>
+            <a:r>
+              <a:rPr lang="zh-CN" altLang="en-US" dirty="0" smtClean="0"/>
+              <a:t>打开一副图像，对指定区域进行修改</a:t>
             </a:r>
             <a:endParaRPr lang="en-US" altLang="zh-CN" dirty="0" smtClean="0"/>
           </a:p>
           <a:p>
             <a:r>
-              <a:rPr lang="en-US" altLang="zh-CN" dirty="0" err="1"/>
-              <a:t>OpenCV</a:t>
-            </a:r>
-            <a:r>
-              <a:rPr lang="zh-CN" altLang="en-US" dirty="0"/>
-              <a:t>入门教程</a:t>
-            </a:r>
-            <a:r>
-              <a:rPr lang="en-US" altLang="zh-CN" dirty="0"/>
-              <a:t>.</a:t>
-            </a:r>
-            <a:r>
-              <a:rPr lang="en-US" altLang="zh-CN" dirty="0" smtClean="0"/>
-              <a:t>pdf  </a:t>
-            </a:r>
-            <a:r>
-              <a:rPr lang="zh-CN" altLang="en-US" dirty="0" smtClean="0"/>
-              <a:t>于仕琪</a:t>
+              <a:rPr lang="zh-CN" altLang="en-US" dirty="0" smtClean="0"/>
+              <a:t>图像缩放</a:t>
+            </a:r>
+            <a:endParaRPr lang="en-US" altLang="zh-CN" dirty="0" smtClean="0"/>
+          </a:p>
+          <a:p>
+            <a:r>
+              <a:rPr lang="zh-CN" altLang="en-US" dirty="0" smtClean="0"/>
+              <a:t>图像旋转</a:t>
             </a:r>
             <a:endParaRPr lang="zh-CN" altLang="en-US" dirty="0"/>
           </a:p>
@@ -4829,13 +5367,20 @@
     </p:spTree>
     <p:extLst>
       <p:ext uri="{BB962C8B-B14F-4D97-AF65-F5344CB8AC3E}">
-        <p14:creationId xmlns:p14="http://schemas.microsoft.com/office/powerpoint/2010/main" val="2385672977"/>
+        <p14:creationId xmlns:p14="http://schemas.microsoft.com/office/powerpoint/2010/main" val="2697673192"/>
       </p:ext>
     </p:extLst>
   </p:cSld>
   <p:clrMapOvr>
     <a:masterClrMapping/>
   </p:clrMapOvr>
+  <p:timing>
+    <p:tnLst>
+      <p:par>
+        <p:cTn id="1" dur="indefinite" restart="never" nodeType="tmRoot"/>
+      </p:par>
+    </p:tnLst>
+  </p:timing>
 </p:sld>
 </file>
 
